--- a/Linq.pptx
+++ b/Linq.pptx
@@ -114,6 +114,11 @@
       </a:defRPr>
     </a:lvl9pPr>
   </p:defaultTextStyle>
+  <p:extLst>
+    <p:ext uri="{EFAFB233-063F-42B5-8137-9DF3F51BA10A}">
+      <p15:sldGuideLst xmlns:p15="http://schemas.microsoft.com/office/powerpoint/2012/main"/>
+    </p:ext>
+  </p:extLst>
 </p:presentation>
 </file>
 
@@ -10126,7 +10131,7 @@
           <a:p>
             <a:fld id="{796FDD7A-9F38-4CDF-B347-1A5209BFD58B}" type="datetimeFigureOut">
               <a:rPr lang="en-IN" smtClean="0"/>
-              <a:t>19-02-2026</a:t>
+              <a:t>20-02-2026</a:t>
             </a:fld>
             <a:endParaRPr lang="en-IN"/>
           </a:p>
@@ -10422,6 +10427,13 @@
           </p:nvPr>
         </p:nvSpPr>
         <p:spPr/>
+        <p:txBody>
+          <a:bodyPr/>
+          <a:lstStyle/>
+          <a:p>
+            <a:endParaRPr lang="en-IN"/>
+          </a:p>
+        </p:txBody>
       </p:sp>
       <p:sp>
         <p:nvSpPr>
@@ -10627,7 +10639,7 @@
           <a:p>
             <a:fld id="{C1938870-312B-410B-A6B0-3A5B6A2B0AD3}" type="datetimeFigureOut">
               <a:rPr lang="en-IN" smtClean="0"/>
-              <a:t>19-02-2026</a:t>
+              <a:t>20-02-2026</a:t>
             </a:fld>
             <a:endParaRPr lang="en-IN"/>
           </a:p>
@@ -10827,7 +10839,7 @@
           <a:p>
             <a:fld id="{C1938870-312B-410B-A6B0-3A5B6A2B0AD3}" type="datetimeFigureOut">
               <a:rPr lang="en-IN" smtClean="0"/>
-              <a:t>19-02-2026</a:t>
+              <a:t>20-02-2026</a:t>
             </a:fld>
             <a:endParaRPr lang="en-IN"/>
           </a:p>
@@ -11037,7 +11049,7 @@
           <a:p>
             <a:fld id="{C1938870-312B-410B-A6B0-3A5B6A2B0AD3}" type="datetimeFigureOut">
               <a:rPr lang="en-IN" smtClean="0"/>
-              <a:t>19-02-2026</a:t>
+              <a:t>20-02-2026</a:t>
             </a:fld>
             <a:endParaRPr lang="en-IN"/>
           </a:p>
@@ -11237,7 +11249,7 @@
           <a:p>
             <a:fld id="{C1938870-312B-410B-A6B0-3A5B6A2B0AD3}" type="datetimeFigureOut">
               <a:rPr lang="en-IN" smtClean="0"/>
-              <a:t>19-02-2026</a:t>
+              <a:t>20-02-2026</a:t>
             </a:fld>
             <a:endParaRPr lang="en-IN"/>
           </a:p>
@@ -11513,7 +11525,7 @@
           <a:p>
             <a:fld id="{C1938870-312B-410B-A6B0-3A5B6A2B0AD3}" type="datetimeFigureOut">
               <a:rPr lang="en-IN" smtClean="0"/>
-              <a:t>19-02-2026</a:t>
+              <a:t>20-02-2026</a:t>
             </a:fld>
             <a:endParaRPr lang="en-IN"/>
           </a:p>
@@ -11781,7 +11793,7 @@
           <a:p>
             <a:fld id="{C1938870-312B-410B-A6B0-3A5B6A2B0AD3}" type="datetimeFigureOut">
               <a:rPr lang="en-IN" smtClean="0"/>
-              <a:t>19-02-2026</a:t>
+              <a:t>20-02-2026</a:t>
             </a:fld>
             <a:endParaRPr lang="en-IN"/>
           </a:p>
@@ -12196,7 +12208,7 @@
           <a:p>
             <a:fld id="{C1938870-312B-410B-A6B0-3A5B6A2B0AD3}" type="datetimeFigureOut">
               <a:rPr lang="en-IN" smtClean="0"/>
-              <a:t>19-02-2026</a:t>
+              <a:t>20-02-2026</a:t>
             </a:fld>
             <a:endParaRPr lang="en-IN"/>
           </a:p>
@@ -12338,7 +12350,7 @@
           <a:p>
             <a:fld id="{C1938870-312B-410B-A6B0-3A5B6A2B0AD3}" type="datetimeFigureOut">
               <a:rPr lang="en-IN" smtClean="0"/>
-              <a:t>19-02-2026</a:t>
+              <a:t>20-02-2026</a:t>
             </a:fld>
             <a:endParaRPr lang="en-IN"/>
           </a:p>
@@ -12451,7 +12463,7 @@
           <a:p>
             <a:fld id="{C1938870-312B-410B-A6B0-3A5B6A2B0AD3}" type="datetimeFigureOut">
               <a:rPr lang="en-IN" smtClean="0"/>
-              <a:t>19-02-2026</a:t>
+              <a:t>20-02-2026</a:t>
             </a:fld>
             <a:endParaRPr lang="en-IN"/>
           </a:p>
@@ -12764,7 +12776,7 @@
           <a:p>
             <a:fld id="{C1938870-312B-410B-A6B0-3A5B6A2B0AD3}" type="datetimeFigureOut">
               <a:rPr lang="en-IN" smtClean="0"/>
-              <a:t>19-02-2026</a:t>
+              <a:t>20-02-2026</a:t>
             </a:fld>
             <a:endParaRPr lang="en-IN"/>
           </a:p>
@@ -13053,7 +13065,7 @@
           <a:p>
             <a:fld id="{C1938870-312B-410B-A6B0-3A5B6A2B0AD3}" type="datetimeFigureOut">
               <a:rPr lang="en-IN" smtClean="0"/>
-              <a:t>19-02-2026</a:t>
+              <a:t>20-02-2026</a:t>
             </a:fld>
             <a:endParaRPr lang="en-IN"/>
           </a:p>
@@ -13296,7 +13308,7 @@
           <a:p>
             <a:fld id="{C1938870-312B-410B-A6B0-3A5B6A2B0AD3}" type="datetimeFigureOut">
               <a:rPr lang="en-IN" smtClean="0"/>
-              <a:t>19-02-2026</a:t>
+              <a:t>20-02-2026</a:t>
             </a:fld>
             <a:endParaRPr lang="en-IN"/>
           </a:p>
@@ -15439,7 +15451,17 @@
           <a:bodyPr/>
           <a:lstStyle/>
           <a:p>
-            <a:endParaRPr lang="en-IN"/>
+            <a:r>
+              <a:rPr lang="en-IN" b="1" dirty="0">
+                <a:solidFill>
+                  <a:schemeClr val="accent2">
+                    <a:lumMod val="60000"/>
+                    <a:lumOff val="40000"/>
+                  </a:schemeClr>
+                </a:solidFill>
+              </a:rPr>
+              <a:t>Standard Query Operators</a:t>
+            </a:r>
           </a:p>
         </p:txBody>
       </p:sp>
@@ -15464,7 +15486,117 @@
           <a:bodyPr/>
           <a:lstStyle/>
           <a:p>
-            <a:endParaRPr lang="en-IN"/>
+            <a:r>
+              <a:rPr lang="en-IN" dirty="0">
+                <a:solidFill>
+                  <a:schemeClr val="bg1">
+                    <a:lumMod val="95000"/>
+                  </a:schemeClr>
+                </a:solidFill>
+              </a:rPr>
+              <a:t>Filters</a:t>
+            </a:r>
+          </a:p>
+          <a:p>
+            <a:pPr lvl="1"/>
+            <a:r>
+              <a:rPr lang="en-IN" dirty="0">
+                <a:solidFill>
+                  <a:schemeClr val="bg1">
+                    <a:lumMod val="95000"/>
+                  </a:schemeClr>
+                </a:solidFill>
+              </a:rPr>
+              <a:t>Where</a:t>
+            </a:r>
+          </a:p>
+          <a:p>
+            <a:pPr lvl="1"/>
+            <a:r>
+              <a:rPr lang="en-IN" dirty="0">
+                <a:solidFill>
+                  <a:schemeClr val="bg1">
+                    <a:lumMod val="95000"/>
+                  </a:schemeClr>
+                </a:solidFill>
+              </a:rPr>
+              <a:t>TypeOf</a:t>
+            </a:r>
+          </a:p>
+          <a:p>
+            <a:r>
+              <a:rPr lang="en-IN" dirty="0">
+                <a:solidFill>
+                  <a:schemeClr val="bg1">
+                    <a:lumMod val="95000"/>
+                  </a:schemeClr>
+                </a:solidFill>
+              </a:rPr>
+              <a:t>Projection operations</a:t>
+            </a:r>
+          </a:p>
+          <a:p>
+            <a:pPr lvl="1"/>
+            <a:r>
+              <a:rPr lang="en-IN" dirty="0">
+                <a:solidFill>
+                  <a:schemeClr val="bg1">
+                    <a:lumMod val="95000"/>
+                  </a:schemeClr>
+                </a:solidFill>
+              </a:rPr>
+              <a:t>Select</a:t>
+            </a:r>
+          </a:p>
+          <a:p>
+            <a:pPr lvl="1"/>
+            <a:r>
+              <a:rPr lang="en-IN" dirty="0">
+                <a:solidFill>
+                  <a:schemeClr val="bg1">
+                    <a:lumMod val="95000"/>
+                  </a:schemeClr>
+                </a:solidFill>
+              </a:rPr>
+              <a:t>SelectMany</a:t>
+            </a:r>
+          </a:p>
+          <a:p>
+            <a:pPr lvl="1"/>
+            <a:r>
+              <a:rPr lang="en-IN" dirty="0">
+                <a:solidFill>
+                  <a:schemeClr val="bg1">
+                    <a:lumMod val="95000"/>
+                  </a:schemeClr>
+                </a:solidFill>
+              </a:rPr>
+              <a:t>Zip</a:t>
+            </a:r>
+          </a:p>
+          <a:p>
+            <a:r>
+              <a:rPr lang="en-IN" dirty="0">
+                <a:solidFill>
+                  <a:schemeClr val="bg1">
+                    <a:lumMod val="95000"/>
+                  </a:schemeClr>
+                </a:solidFill>
+              </a:rPr>
+              <a:t>Set Operations</a:t>
+            </a:r>
+          </a:p>
+          <a:p>
+            <a:r>
+              <a:rPr lang="en-IN" dirty="0">
+                <a:solidFill>
+                  <a:schemeClr val="bg1">
+                    <a:lumMod val="95000"/>
+                  </a:schemeClr>
+                </a:solidFill>
+              </a:rPr>
+              <a:t>Sorting Data</a:t>
+            </a:r>
           </a:p>
         </p:txBody>
       </p:sp>

--- a/Linq.pptx
+++ b/Linq.pptx
@@ -10131,7 +10131,7 @@
           <a:p>
             <a:fld id="{796FDD7A-9F38-4CDF-B347-1A5209BFD58B}" type="datetimeFigureOut">
               <a:rPr lang="en-IN" smtClean="0"/>
-              <a:t>20-02-2026</a:t>
+              <a:t>21-02-2026</a:t>
             </a:fld>
             <a:endParaRPr lang="en-IN"/>
           </a:p>
@@ -10639,7 +10639,7 @@
           <a:p>
             <a:fld id="{C1938870-312B-410B-A6B0-3A5B6A2B0AD3}" type="datetimeFigureOut">
               <a:rPr lang="en-IN" smtClean="0"/>
-              <a:t>20-02-2026</a:t>
+              <a:t>21-02-2026</a:t>
             </a:fld>
             <a:endParaRPr lang="en-IN"/>
           </a:p>
@@ -10839,7 +10839,7 @@
           <a:p>
             <a:fld id="{C1938870-312B-410B-A6B0-3A5B6A2B0AD3}" type="datetimeFigureOut">
               <a:rPr lang="en-IN" smtClean="0"/>
-              <a:t>20-02-2026</a:t>
+              <a:t>21-02-2026</a:t>
             </a:fld>
             <a:endParaRPr lang="en-IN"/>
           </a:p>
@@ -11049,7 +11049,7 @@
           <a:p>
             <a:fld id="{C1938870-312B-410B-A6B0-3A5B6A2B0AD3}" type="datetimeFigureOut">
               <a:rPr lang="en-IN" smtClean="0"/>
-              <a:t>20-02-2026</a:t>
+              <a:t>21-02-2026</a:t>
             </a:fld>
             <a:endParaRPr lang="en-IN"/>
           </a:p>
@@ -11249,7 +11249,7 @@
           <a:p>
             <a:fld id="{C1938870-312B-410B-A6B0-3A5B6A2B0AD3}" type="datetimeFigureOut">
               <a:rPr lang="en-IN" smtClean="0"/>
-              <a:t>20-02-2026</a:t>
+              <a:t>21-02-2026</a:t>
             </a:fld>
             <a:endParaRPr lang="en-IN"/>
           </a:p>
@@ -11525,7 +11525,7 @@
           <a:p>
             <a:fld id="{C1938870-312B-410B-A6B0-3A5B6A2B0AD3}" type="datetimeFigureOut">
               <a:rPr lang="en-IN" smtClean="0"/>
-              <a:t>20-02-2026</a:t>
+              <a:t>21-02-2026</a:t>
             </a:fld>
             <a:endParaRPr lang="en-IN"/>
           </a:p>
@@ -11793,7 +11793,7 @@
           <a:p>
             <a:fld id="{C1938870-312B-410B-A6B0-3A5B6A2B0AD3}" type="datetimeFigureOut">
               <a:rPr lang="en-IN" smtClean="0"/>
-              <a:t>20-02-2026</a:t>
+              <a:t>21-02-2026</a:t>
             </a:fld>
             <a:endParaRPr lang="en-IN"/>
           </a:p>
@@ -12208,7 +12208,7 @@
           <a:p>
             <a:fld id="{C1938870-312B-410B-A6B0-3A5B6A2B0AD3}" type="datetimeFigureOut">
               <a:rPr lang="en-IN" smtClean="0"/>
-              <a:t>20-02-2026</a:t>
+              <a:t>21-02-2026</a:t>
             </a:fld>
             <a:endParaRPr lang="en-IN"/>
           </a:p>
@@ -12350,7 +12350,7 @@
           <a:p>
             <a:fld id="{C1938870-312B-410B-A6B0-3A5B6A2B0AD3}" type="datetimeFigureOut">
               <a:rPr lang="en-IN" smtClean="0"/>
-              <a:t>20-02-2026</a:t>
+              <a:t>21-02-2026</a:t>
             </a:fld>
             <a:endParaRPr lang="en-IN"/>
           </a:p>
@@ -12463,7 +12463,7 @@
           <a:p>
             <a:fld id="{C1938870-312B-410B-A6B0-3A5B6A2B0AD3}" type="datetimeFigureOut">
               <a:rPr lang="en-IN" smtClean="0"/>
-              <a:t>20-02-2026</a:t>
+              <a:t>21-02-2026</a:t>
             </a:fld>
             <a:endParaRPr lang="en-IN"/>
           </a:p>
@@ -12776,7 +12776,7 @@
           <a:p>
             <a:fld id="{C1938870-312B-410B-A6B0-3A5B6A2B0AD3}" type="datetimeFigureOut">
               <a:rPr lang="en-IN" smtClean="0"/>
-              <a:t>20-02-2026</a:t>
+              <a:t>21-02-2026</a:t>
             </a:fld>
             <a:endParaRPr lang="en-IN"/>
           </a:p>
@@ -13065,7 +13065,7 @@
           <a:p>
             <a:fld id="{C1938870-312B-410B-A6B0-3A5B6A2B0AD3}" type="datetimeFigureOut">
               <a:rPr lang="en-IN" smtClean="0"/>
-              <a:t>20-02-2026</a:t>
+              <a:t>21-02-2026</a:t>
             </a:fld>
             <a:endParaRPr lang="en-IN"/>
           </a:p>
@@ -13308,7 +13308,7 @@
           <a:p>
             <a:fld id="{C1938870-312B-410B-A6B0-3A5B6A2B0AD3}" type="datetimeFigureOut">
               <a:rPr lang="en-IN" smtClean="0"/>
-              <a:t>20-02-2026</a:t>
+              <a:t>21-02-2026</a:t>
             </a:fld>
             <a:endParaRPr lang="en-IN"/>
           </a:p>
@@ -15481,9 +15481,16 @@
             <p:ph idx="1"/>
           </p:nvPr>
         </p:nvSpPr>
-        <p:spPr/>
+        <p:spPr>
+          <a:xfrm>
+            <a:off x="838200" y="1690688"/>
+            <a:ext cx="3906520" cy="4351338"/>
+          </a:xfrm>
+        </p:spPr>
         <p:txBody>
-          <a:bodyPr/>
+          <a:bodyPr>
+            <a:normAutofit/>
+          </a:bodyPr>
           <a:lstStyle/>
           <a:p>
             <a:r>
@@ -15574,6 +15581,199 @@
               <a:t>Zip</a:t>
             </a:r>
           </a:p>
+        </p:txBody>
+      </p:sp>
+      <p:sp>
+        <p:nvSpPr>
+          <p:cNvPr id="4" name="Content Placeholder 2">
+            <a:extLst>
+              <a:ext uri="{FF2B5EF4-FFF2-40B4-BE49-F238E27FC236}">
+                <a16:creationId xmlns:a16="http://schemas.microsoft.com/office/drawing/2014/main" id="{5FE1FBCA-B28D-D22A-07BA-1815CA0F0897}"/>
+              </a:ext>
+            </a:extLst>
+          </p:cNvPr>
+          <p:cNvSpPr txBox="1">
+            <a:spLocks/>
+          </p:cNvSpPr>
+          <p:nvPr/>
+        </p:nvSpPr>
+        <p:spPr>
+          <a:xfrm>
+            <a:off x="4744720" y="1667193"/>
+            <a:ext cx="3906520" cy="4351338"/>
+          </a:xfrm>
+          <a:prstGeom prst="rect">
+            <a:avLst/>
+          </a:prstGeom>
+        </p:spPr>
+        <p:txBody>
+          <a:bodyPr vert="horz" lIns="91440" tIns="45720" rIns="91440" bIns="45720" rtlCol="0">
+            <a:normAutofit/>
+          </a:bodyPr>
+          <a:lstStyle>
+            <a:lvl1pPr marL="228600" indent="-228600" algn="l" defTabSz="914400" rtl="0" eaLnBrk="1" latinLnBrk="0" hangingPunct="1">
+              <a:lnSpc>
+                <a:spcPct val="90000"/>
+              </a:lnSpc>
+              <a:spcBef>
+                <a:spcPts val="1000"/>
+              </a:spcBef>
+              <a:buFont typeface="Arial" panose="020B0604020202020204" pitchFamily="34" charset="0"/>
+              <a:buChar char="•"/>
+              <a:defRPr sz="2800" kern="1200">
+                <a:solidFill>
+                  <a:schemeClr val="tx1"/>
+                </a:solidFill>
+                <a:latin typeface="+mn-lt"/>
+                <a:ea typeface="+mn-ea"/>
+                <a:cs typeface="+mn-cs"/>
+              </a:defRPr>
+            </a:lvl1pPr>
+            <a:lvl2pPr marL="685800" indent="-228600" algn="l" defTabSz="914400" rtl="0" eaLnBrk="1" latinLnBrk="0" hangingPunct="1">
+              <a:lnSpc>
+                <a:spcPct val="90000"/>
+              </a:lnSpc>
+              <a:spcBef>
+                <a:spcPts val="500"/>
+              </a:spcBef>
+              <a:buFont typeface="Arial" panose="020B0604020202020204" pitchFamily="34" charset="0"/>
+              <a:buChar char="•"/>
+              <a:defRPr sz="2400" kern="1200">
+                <a:solidFill>
+                  <a:schemeClr val="tx1"/>
+                </a:solidFill>
+                <a:latin typeface="+mn-lt"/>
+                <a:ea typeface="+mn-ea"/>
+                <a:cs typeface="+mn-cs"/>
+              </a:defRPr>
+            </a:lvl2pPr>
+            <a:lvl3pPr marL="1143000" indent="-228600" algn="l" defTabSz="914400" rtl="0" eaLnBrk="1" latinLnBrk="0" hangingPunct="1">
+              <a:lnSpc>
+                <a:spcPct val="90000"/>
+              </a:lnSpc>
+              <a:spcBef>
+                <a:spcPts val="500"/>
+              </a:spcBef>
+              <a:buFont typeface="Arial" panose="020B0604020202020204" pitchFamily="34" charset="0"/>
+              <a:buChar char="•"/>
+              <a:defRPr sz="2000" kern="1200">
+                <a:solidFill>
+                  <a:schemeClr val="tx1"/>
+                </a:solidFill>
+                <a:latin typeface="+mn-lt"/>
+                <a:ea typeface="+mn-ea"/>
+                <a:cs typeface="+mn-cs"/>
+              </a:defRPr>
+            </a:lvl3pPr>
+            <a:lvl4pPr marL="1600200" indent="-228600" algn="l" defTabSz="914400" rtl="0" eaLnBrk="1" latinLnBrk="0" hangingPunct="1">
+              <a:lnSpc>
+                <a:spcPct val="90000"/>
+              </a:lnSpc>
+              <a:spcBef>
+                <a:spcPts val="500"/>
+              </a:spcBef>
+              <a:buFont typeface="Arial" panose="020B0604020202020204" pitchFamily="34" charset="0"/>
+              <a:buChar char="•"/>
+              <a:defRPr sz="1800" kern="1200">
+                <a:solidFill>
+                  <a:schemeClr val="tx1"/>
+                </a:solidFill>
+                <a:latin typeface="+mn-lt"/>
+                <a:ea typeface="+mn-ea"/>
+                <a:cs typeface="+mn-cs"/>
+              </a:defRPr>
+            </a:lvl4pPr>
+            <a:lvl5pPr marL="2057400" indent="-228600" algn="l" defTabSz="914400" rtl="0" eaLnBrk="1" latinLnBrk="0" hangingPunct="1">
+              <a:lnSpc>
+                <a:spcPct val="90000"/>
+              </a:lnSpc>
+              <a:spcBef>
+                <a:spcPts val="500"/>
+              </a:spcBef>
+              <a:buFont typeface="Arial" panose="020B0604020202020204" pitchFamily="34" charset="0"/>
+              <a:buChar char="•"/>
+              <a:defRPr sz="1800" kern="1200">
+                <a:solidFill>
+                  <a:schemeClr val="tx1"/>
+                </a:solidFill>
+                <a:latin typeface="+mn-lt"/>
+                <a:ea typeface="+mn-ea"/>
+                <a:cs typeface="+mn-cs"/>
+              </a:defRPr>
+            </a:lvl5pPr>
+            <a:lvl6pPr marL="2514600" indent="-228600" algn="l" defTabSz="914400" rtl="0" eaLnBrk="1" latinLnBrk="0" hangingPunct="1">
+              <a:lnSpc>
+                <a:spcPct val="90000"/>
+              </a:lnSpc>
+              <a:spcBef>
+                <a:spcPts val="500"/>
+              </a:spcBef>
+              <a:buFont typeface="Arial" panose="020B0604020202020204" pitchFamily="34" charset="0"/>
+              <a:buChar char="•"/>
+              <a:defRPr sz="1800" kern="1200">
+                <a:solidFill>
+                  <a:schemeClr val="tx1"/>
+                </a:solidFill>
+                <a:latin typeface="+mn-lt"/>
+                <a:ea typeface="+mn-ea"/>
+                <a:cs typeface="+mn-cs"/>
+              </a:defRPr>
+            </a:lvl6pPr>
+            <a:lvl7pPr marL="2971800" indent="-228600" algn="l" defTabSz="914400" rtl="0" eaLnBrk="1" latinLnBrk="0" hangingPunct="1">
+              <a:lnSpc>
+                <a:spcPct val="90000"/>
+              </a:lnSpc>
+              <a:spcBef>
+                <a:spcPts val="500"/>
+              </a:spcBef>
+              <a:buFont typeface="Arial" panose="020B0604020202020204" pitchFamily="34" charset="0"/>
+              <a:buChar char="•"/>
+              <a:defRPr sz="1800" kern="1200">
+                <a:solidFill>
+                  <a:schemeClr val="tx1"/>
+                </a:solidFill>
+                <a:latin typeface="+mn-lt"/>
+                <a:ea typeface="+mn-ea"/>
+                <a:cs typeface="+mn-cs"/>
+              </a:defRPr>
+            </a:lvl7pPr>
+            <a:lvl8pPr marL="3429000" indent="-228600" algn="l" defTabSz="914400" rtl="0" eaLnBrk="1" latinLnBrk="0" hangingPunct="1">
+              <a:lnSpc>
+                <a:spcPct val="90000"/>
+              </a:lnSpc>
+              <a:spcBef>
+                <a:spcPts val="500"/>
+              </a:spcBef>
+              <a:buFont typeface="Arial" panose="020B0604020202020204" pitchFamily="34" charset="0"/>
+              <a:buChar char="•"/>
+              <a:defRPr sz="1800" kern="1200">
+                <a:solidFill>
+                  <a:schemeClr val="tx1"/>
+                </a:solidFill>
+                <a:latin typeface="+mn-lt"/>
+                <a:ea typeface="+mn-ea"/>
+                <a:cs typeface="+mn-cs"/>
+              </a:defRPr>
+            </a:lvl8pPr>
+            <a:lvl9pPr marL="3886200" indent="-228600" algn="l" defTabSz="914400" rtl="0" eaLnBrk="1" latinLnBrk="0" hangingPunct="1">
+              <a:lnSpc>
+                <a:spcPct val="90000"/>
+              </a:lnSpc>
+              <a:spcBef>
+                <a:spcPts val="500"/>
+              </a:spcBef>
+              <a:buFont typeface="Arial" panose="020B0604020202020204" pitchFamily="34" charset="0"/>
+              <a:buChar char="•"/>
+              <a:defRPr sz="1800" kern="1200">
+                <a:solidFill>
+                  <a:schemeClr val="tx1"/>
+                </a:solidFill>
+                <a:latin typeface="+mn-lt"/>
+                <a:ea typeface="+mn-ea"/>
+                <a:cs typeface="+mn-cs"/>
+              </a:defRPr>
+            </a:lvl9pPr>
+          </a:lstStyle>
           <a:p>
             <a:r>
               <a:rPr lang="en-IN" dirty="0">
@@ -15585,6 +15785,117 @@
               </a:rPr>
               <a:t>Set Operations</a:t>
             </a:r>
+          </a:p>
+          <a:p>
+            <a:pPr lvl="1"/>
+            <a:r>
+              <a:rPr lang="en-US" dirty="0">
+                <a:solidFill>
+                  <a:schemeClr val="bg1">
+                    <a:lumMod val="95000"/>
+                  </a:schemeClr>
+                </a:solidFill>
+              </a:rPr>
+              <a:t>Distinct</a:t>
+            </a:r>
+          </a:p>
+          <a:p>
+            <a:pPr lvl="1"/>
+            <a:r>
+              <a:rPr lang="en-US" dirty="0">
+                <a:solidFill>
+                  <a:schemeClr val="bg1">
+                    <a:lumMod val="95000"/>
+                  </a:schemeClr>
+                </a:solidFill>
+              </a:rPr>
+              <a:t>DistinctBy</a:t>
+            </a:r>
+          </a:p>
+          <a:p>
+            <a:pPr lvl="1"/>
+            <a:r>
+              <a:rPr lang="en-US" dirty="0">
+                <a:solidFill>
+                  <a:schemeClr val="bg1">
+                    <a:lumMod val="95000"/>
+                  </a:schemeClr>
+                </a:solidFill>
+              </a:rPr>
+              <a:t>Except</a:t>
+            </a:r>
+          </a:p>
+          <a:p>
+            <a:pPr lvl="1"/>
+            <a:r>
+              <a:rPr lang="en-US" dirty="0">
+                <a:solidFill>
+                  <a:schemeClr val="bg1">
+                    <a:lumMod val="95000"/>
+                  </a:schemeClr>
+                </a:solidFill>
+              </a:rPr>
+              <a:t>ExceptBy</a:t>
+            </a:r>
+          </a:p>
+          <a:p>
+            <a:pPr lvl="1"/>
+            <a:r>
+              <a:rPr lang="en-US" dirty="0">
+                <a:solidFill>
+                  <a:schemeClr val="bg1">
+                    <a:lumMod val="95000"/>
+                  </a:schemeClr>
+                </a:solidFill>
+              </a:rPr>
+              <a:t>Intersect</a:t>
+            </a:r>
+          </a:p>
+          <a:p>
+            <a:pPr lvl="1"/>
+            <a:r>
+              <a:rPr lang="en-US" dirty="0">
+                <a:solidFill>
+                  <a:schemeClr val="bg1">
+                    <a:lumMod val="95000"/>
+                  </a:schemeClr>
+                </a:solidFill>
+              </a:rPr>
+              <a:t>IntersectBy</a:t>
+            </a:r>
+          </a:p>
+          <a:p>
+            <a:pPr lvl="1"/>
+            <a:r>
+              <a:rPr lang="en-US" dirty="0">
+                <a:solidFill>
+                  <a:schemeClr val="bg1">
+                    <a:lumMod val="95000"/>
+                  </a:schemeClr>
+                </a:solidFill>
+              </a:rPr>
+              <a:t>Union</a:t>
+            </a:r>
+          </a:p>
+          <a:p>
+            <a:pPr lvl="1"/>
+            <a:r>
+              <a:rPr lang="en-US" dirty="0">
+                <a:solidFill>
+                  <a:schemeClr val="bg1">
+                    <a:lumMod val="95000"/>
+                  </a:schemeClr>
+                </a:solidFill>
+              </a:rPr>
+              <a:t>UnionBy</a:t>
+            </a:r>
+            <a:endParaRPr lang="en-IN" dirty="0">
+              <a:solidFill>
+                <a:schemeClr val="bg1">
+                  <a:lumMod val="95000"/>
+                </a:schemeClr>
+              </a:solidFill>
+            </a:endParaRPr>
           </a:p>
           <a:p>
             <a:r>

--- a/Linq.pptx
+++ b/Linq.pptx
@@ -5,7 +5,7 @@
     <p:sldMasterId id="2147483648" r:id="rId1"/>
   </p:sldMasterIdLst>
   <p:notesMasterIdLst>
-    <p:notesMasterId r:id="rId10"/>
+    <p:notesMasterId r:id="rId11"/>
   </p:notesMasterIdLst>
   <p:sldIdLst>
     <p:sldId id="256" r:id="rId2"/>
@@ -14,8 +14,9 @@
     <p:sldId id="261" r:id="rId5"/>
     <p:sldId id="260" r:id="rId6"/>
     <p:sldId id="262" r:id="rId7"/>
-    <p:sldId id="263" r:id="rId8"/>
-    <p:sldId id="264" r:id="rId9"/>
+    <p:sldId id="265" r:id="rId8"/>
+    <p:sldId id="263" r:id="rId9"/>
+    <p:sldId id="264" r:id="rId10"/>
   </p:sldIdLst>
   <p:sldSz cx="12192000" cy="6858000"/>
   <p:notesSz cx="6858000" cy="9144000"/>
@@ -2410,7 +2411,7 @@
 <dgm:dataModel xmlns:dgm="http://schemas.openxmlformats.org/drawingml/2006/diagram" xmlns:a="http://schemas.openxmlformats.org/drawingml/2006/main">
   <dgm:ptLst>
     <dgm:pt modelId="{2DB4BCA4-85FB-4351-A598-3AD8FEE5D0CE}" type="doc">
-      <dgm:prSet loTypeId="urn:microsoft.com/office/officeart/2005/8/layout/hierarchy4" loCatId="hierarchy" qsTypeId="urn:microsoft.com/office/officeart/2005/8/quickstyle/3d4" qsCatId="3D" csTypeId="urn:microsoft.com/office/officeart/2005/8/colors/accent0_3" csCatId="mainScheme"/>
+      <dgm:prSet loTypeId="urn:microsoft.com/office/officeart/2005/8/layout/hierarchy4" loCatId="hierarchy" qsTypeId="urn:microsoft.com/office/officeart/2005/8/quickstyle/3d4" qsCatId="3D" csTypeId="urn:microsoft.com/office/officeart/2005/8/colors/accent0_3" csCatId="mainScheme" phldr="1"/>
       <dgm:spPr/>
       <dgm:t>
         <a:bodyPr/>
@@ -2605,43 +2606,6 @@
         </a:p>
       </dgm:t>
     </dgm:pt>
-    <dgm:pt modelId="{C0202654-6496-4A38-947F-6D263F54D052}">
-      <dgm:prSet/>
-      <dgm:spPr/>
-      <dgm:t>
-        <a:bodyPr/>
-        <a:lstStyle/>
-        <a:p>
-          <a:r>
-            <a:rPr lang="en-US"/>
-            <a:t>SQL</a:t>
-          </a:r>
-          <a:endParaRPr lang="en-IN"/>
-        </a:p>
-      </dgm:t>
-    </dgm:pt>
-    <dgm:pt modelId="{9EC33439-9286-4403-809E-7E0D8E797DCA}" type="parTrans" cxnId="{E5FBD5CD-184B-47C3-BAA1-7908AC7E3F00}">
-      <dgm:prSet/>
-      <dgm:spPr/>
-      <dgm:t>
-        <a:bodyPr/>
-        <a:lstStyle/>
-        <a:p>
-          <a:endParaRPr lang="en-IN"/>
-        </a:p>
-      </dgm:t>
-    </dgm:pt>
-    <dgm:pt modelId="{A2485B61-BCBD-454F-A541-D8A27E8637F8}" type="sibTrans" cxnId="{E5FBD5CD-184B-47C3-BAA1-7908AC7E3F00}">
-      <dgm:prSet/>
-      <dgm:spPr/>
-      <dgm:t>
-        <a:bodyPr/>
-        <a:lstStyle/>
-        <a:p>
-          <a:endParaRPr lang="en-IN"/>
-        </a:p>
-      </dgm:t>
-    </dgm:pt>
     <dgm:pt modelId="{1C8E9C65-040F-47BF-9E15-FC4505F7A581}">
       <dgm:prSet/>
       <dgm:spPr/>
@@ -2669,43 +2633,6 @@
       </dgm:t>
     </dgm:pt>
     <dgm:pt modelId="{5B450A90-928E-48BE-AA5C-54A5E2693FD9}" type="sibTrans" cxnId="{98DFAAE4-92CD-4C9F-82F5-2F8B9D14B2AE}">
-      <dgm:prSet/>
-      <dgm:spPr/>
-      <dgm:t>
-        <a:bodyPr/>
-        <a:lstStyle/>
-        <a:p>
-          <a:endParaRPr lang="en-IN"/>
-        </a:p>
-      </dgm:t>
-    </dgm:pt>
-    <dgm:pt modelId="{17548BB8-20D6-4EBA-92EE-C12A60791198}">
-      <dgm:prSet/>
-      <dgm:spPr/>
-      <dgm:t>
-        <a:bodyPr/>
-        <a:lstStyle/>
-        <a:p>
-          <a:r>
-            <a:rPr lang="en-US" dirty="0"/>
-            <a:t>IQueryable</a:t>
-          </a:r>
-          <a:endParaRPr lang="en-IN" dirty="0"/>
-        </a:p>
-      </dgm:t>
-    </dgm:pt>
-    <dgm:pt modelId="{3422726C-D3CC-4B22-986A-CF5FA14E6444}" type="parTrans" cxnId="{43C8A374-8634-4D6E-ACCB-47EF105BECA0}">
-      <dgm:prSet/>
-      <dgm:spPr/>
-      <dgm:t>
-        <a:bodyPr/>
-        <a:lstStyle/>
-        <a:p>
-          <a:endParaRPr lang="en-IN"/>
-        </a:p>
-      </dgm:t>
-    </dgm:pt>
-    <dgm:pt modelId="{355DF880-67E9-49AE-A2DF-EEBBD458FFE1}" type="sibTrans" cxnId="{43C8A374-8634-4D6E-ACCB-47EF105BECA0}">
       <dgm:prSet/>
       <dgm:spPr/>
       <dgm:t>
@@ -2753,7 +2680,7 @@
       <dgm:spPr/>
     </dgm:pt>
     <dgm:pt modelId="{C6455CD1-D5EE-4002-A627-A49B92DFEADD}" type="pres">
-      <dgm:prSet presAssocID="{3F1CF48A-3DB5-4CC1-980A-810A9507A764}" presName="txTwo" presStyleLbl="node2" presStyleIdx="0" presStyleCnt="7">
+      <dgm:prSet presAssocID="{3F1CF48A-3DB5-4CC1-980A-810A9507A764}" presName="txTwo" presStyleLbl="node2" presStyleIdx="0" presStyleCnt="5">
         <dgm:presLayoutVars>
           <dgm:chPref val="3"/>
         </dgm:presLayoutVars>
@@ -2773,7 +2700,7 @@
       <dgm:spPr/>
     </dgm:pt>
     <dgm:pt modelId="{D605A22C-FCB7-432D-A61C-937CC3AA7329}" type="pres">
-      <dgm:prSet presAssocID="{DAA0CDEA-66FF-4B59-83C0-5DF3739FF634}" presName="txTwo" presStyleLbl="node2" presStyleIdx="1" presStyleCnt="7">
+      <dgm:prSet presAssocID="{DAA0CDEA-66FF-4B59-83C0-5DF3739FF634}" presName="txTwo" presStyleLbl="node2" presStyleIdx="1" presStyleCnt="5">
         <dgm:presLayoutVars>
           <dgm:chPref val="3"/>
         </dgm:presLayoutVars>
@@ -2793,7 +2720,7 @@
       <dgm:spPr/>
     </dgm:pt>
     <dgm:pt modelId="{083C68F1-121D-47F9-812B-6E96DA418BAD}" type="pres">
-      <dgm:prSet presAssocID="{8E841FF5-0E8C-4BFD-8529-DBCB26613345}" presName="txTwo" presStyleLbl="node2" presStyleIdx="2" presStyleCnt="7">
+      <dgm:prSet presAssocID="{8E841FF5-0E8C-4BFD-8529-DBCB26613345}" presName="txTwo" presStyleLbl="node2" presStyleIdx="2" presStyleCnt="5">
         <dgm:presLayoutVars>
           <dgm:chPref val="3"/>
         </dgm:presLayoutVars>
@@ -2813,7 +2740,7 @@
       <dgm:spPr/>
     </dgm:pt>
     <dgm:pt modelId="{34964A98-ADA1-4575-8410-E288B3B7D446}" type="pres">
-      <dgm:prSet presAssocID="{129ADA62-A5C2-4EC0-9A2E-241948584589}" presName="txTwo" presStyleLbl="node2" presStyleIdx="3" presStyleCnt="7">
+      <dgm:prSet presAssocID="{129ADA62-A5C2-4EC0-9A2E-241948584589}" presName="txTwo" presStyleLbl="node2" presStyleIdx="3" presStyleCnt="5">
         <dgm:presLayoutVars>
           <dgm:chPref val="3"/>
         </dgm:presLayoutVars>
@@ -2828,32 +2755,12 @@
       <dgm:prSet presAssocID="{32BE1DA4-D1AE-4DCD-9671-BE23C2331188}" presName="sibSpaceTwo" presStyleCnt="0"/>
       <dgm:spPr/>
     </dgm:pt>
-    <dgm:pt modelId="{CBA6DAAE-AED1-43CA-B63A-B7D823B7FDA2}" type="pres">
-      <dgm:prSet presAssocID="{C0202654-6496-4A38-947F-6D263F54D052}" presName="vertTwo" presStyleCnt="0"/>
-      <dgm:spPr/>
-    </dgm:pt>
-    <dgm:pt modelId="{74693AE9-B3C0-4642-99B8-099E1456C521}" type="pres">
-      <dgm:prSet presAssocID="{C0202654-6496-4A38-947F-6D263F54D052}" presName="txTwo" presStyleLbl="node2" presStyleIdx="4" presStyleCnt="7">
-        <dgm:presLayoutVars>
-          <dgm:chPref val="3"/>
-        </dgm:presLayoutVars>
-      </dgm:prSet>
-      <dgm:spPr/>
-    </dgm:pt>
-    <dgm:pt modelId="{AA4F9E0F-752F-48E9-93A1-4A8C557B893A}" type="pres">
-      <dgm:prSet presAssocID="{C0202654-6496-4A38-947F-6D263F54D052}" presName="horzTwo" presStyleCnt="0"/>
-      <dgm:spPr/>
-    </dgm:pt>
-    <dgm:pt modelId="{795EAAD6-44F6-4630-A4B6-0ACC4FDCB763}" type="pres">
-      <dgm:prSet presAssocID="{A2485B61-BCBD-454F-A541-D8A27E8637F8}" presName="sibSpaceTwo" presStyleCnt="0"/>
-      <dgm:spPr/>
-    </dgm:pt>
     <dgm:pt modelId="{BDB7441E-3A2E-404B-B635-D2DE28845F54}" type="pres">
       <dgm:prSet presAssocID="{1C8E9C65-040F-47BF-9E15-FC4505F7A581}" presName="vertTwo" presStyleCnt="0"/>
       <dgm:spPr/>
     </dgm:pt>
     <dgm:pt modelId="{700B5B8A-756B-4351-A9FB-0E9AB85C5C8D}" type="pres">
-      <dgm:prSet presAssocID="{1C8E9C65-040F-47BF-9E15-FC4505F7A581}" presName="txTwo" presStyleLbl="node2" presStyleIdx="5" presStyleCnt="7">
+      <dgm:prSet presAssocID="{1C8E9C65-040F-47BF-9E15-FC4505F7A581}" presName="txTwo" presStyleLbl="node2" presStyleIdx="4" presStyleCnt="5">
         <dgm:presLayoutVars>
           <dgm:chPref val="3"/>
         </dgm:presLayoutVars>
@@ -2864,26 +2771,6 @@
       <dgm:prSet presAssocID="{1C8E9C65-040F-47BF-9E15-FC4505F7A581}" presName="horzTwo" presStyleCnt="0"/>
       <dgm:spPr/>
     </dgm:pt>
-    <dgm:pt modelId="{D0879274-48A3-4ABA-B95E-9B19F75C1D66}" type="pres">
-      <dgm:prSet presAssocID="{5B450A90-928E-48BE-AA5C-54A5E2693FD9}" presName="sibSpaceTwo" presStyleCnt="0"/>
-      <dgm:spPr/>
-    </dgm:pt>
-    <dgm:pt modelId="{051A8E09-80EA-4D98-988C-FCC629E510F7}" type="pres">
-      <dgm:prSet presAssocID="{17548BB8-20D6-4EBA-92EE-C12A60791198}" presName="vertTwo" presStyleCnt="0"/>
-      <dgm:spPr/>
-    </dgm:pt>
-    <dgm:pt modelId="{1D90C3C7-D323-4933-B6D1-8407A0DB4FCE}" type="pres">
-      <dgm:prSet presAssocID="{17548BB8-20D6-4EBA-92EE-C12A60791198}" presName="txTwo" presStyleLbl="node2" presStyleIdx="6" presStyleCnt="7">
-        <dgm:presLayoutVars>
-          <dgm:chPref val="3"/>
-        </dgm:presLayoutVars>
-      </dgm:prSet>
-      <dgm:spPr/>
-    </dgm:pt>
-    <dgm:pt modelId="{BF8FE49D-3B1B-4869-9DE8-878C32DF6BA5}" type="pres">
-      <dgm:prSet presAssocID="{17548BB8-20D6-4EBA-92EE-C12A60791198}" presName="horzTwo" presStyleCnt="0"/>
-      <dgm:spPr/>
-    </dgm:pt>
   </dgm:ptLst>
   <dgm:cxnLst>
     <dgm:cxn modelId="{B57F0809-84EB-46D8-9027-90F81667EC71}" type="presOf" srcId="{3F1CF48A-3DB5-4CC1-980A-810A9507A764}" destId="{C6455CD1-D5EE-4002-A627-A49B92DFEADD}" srcOrd="0" destOrd="0" presId="urn:microsoft.com/office/officeart/2005/8/layout/hierarchy4"/>
@@ -2891,18 +2778,14 @@
     <dgm:cxn modelId="{5CD23F1E-966D-40BA-8E0D-C05483DBEADC}" srcId="{C4A0EFEE-1481-455F-8BA7-F6D65DB4F566}" destId="{8E841FF5-0E8C-4BFD-8529-DBCB26613345}" srcOrd="2" destOrd="0" parTransId="{4D46C5D5-D547-4E98-B265-8163F02CC2F1}" sibTransId="{39258CEA-B2DF-4A22-B61F-4779326743A7}"/>
     <dgm:cxn modelId="{723DB822-3A53-4DFC-A993-C9810E09A1F8}" srcId="{C4A0EFEE-1481-455F-8BA7-F6D65DB4F566}" destId="{129ADA62-A5C2-4EC0-9A2E-241948584589}" srcOrd="3" destOrd="0" parTransId="{5AFF4AC5-8D75-43B7-89D0-85C71614F3FB}" sibTransId="{32BE1DA4-D1AE-4DCD-9671-BE23C2331188}"/>
     <dgm:cxn modelId="{5B5E6540-5022-46C1-AEBA-5C0B8951FA21}" type="presOf" srcId="{1C8E9C65-040F-47BF-9E15-FC4505F7A581}" destId="{700B5B8A-756B-4351-A9FB-0E9AB85C5C8D}" srcOrd="0" destOrd="0" presId="urn:microsoft.com/office/officeart/2005/8/layout/hierarchy4"/>
-    <dgm:cxn modelId="{43C8A374-8634-4D6E-ACCB-47EF105BECA0}" srcId="{C4A0EFEE-1481-455F-8BA7-F6D65DB4F566}" destId="{17548BB8-20D6-4EBA-92EE-C12A60791198}" srcOrd="6" destOrd="0" parTransId="{3422726C-D3CC-4B22-986A-CF5FA14E6444}" sibTransId="{355DF880-67E9-49AE-A2DF-EEBBD458FFE1}"/>
     <dgm:cxn modelId="{E0840175-B629-47AC-910E-AAC7CF2CEC63}" type="presOf" srcId="{8E841FF5-0E8C-4BFD-8529-DBCB26613345}" destId="{083C68F1-121D-47F9-812B-6E96DA418BAD}" srcOrd="0" destOrd="0" presId="urn:microsoft.com/office/officeart/2005/8/layout/hierarchy4"/>
     <dgm:cxn modelId="{6E707B56-9E16-42F5-A633-A6507C54BD60}" srcId="{2DB4BCA4-85FB-4351-A598-3AD8FEE5D0CE}" destId="{C4A0EFEE-1481-455F-8BA7-F6D65DB4F566}" srcOrd="0" destOrd="0" parTransId="{3854FF0B-E68D-4666-A22F-EBB58683712A}" sibTransId="{58F3AF7D-96C0-4B74-BCD5-E668B0B0CB10}"/>
     <dgm:cxn modelId="{2811345A-72CA-41C2-89CF-6A2C81897B48}" type="presOf" srcId="{2DB4BCA4-85FB-4351-A598-3AD8FEE5D0CE}" destId="{9E19E57A-0E06-4E1E-BC85-25636A08E2A8}" srcOrd="0" destOrd="0" presId="urn:microsoft.com/office/officeart/2005/8/layout/hierarchy4"/>
-    <dgm:cxn modelId="{13A67F90-AC37-44CE-B799-50FA41FA5DE9}" type="presOf" srcId="{C0202654-6496-4A38-947F-6D263F54D052}" destId="{74693AE9-B3C0-4642-99B8-099E1456C521}" srcOrd="0" destOrd="0" presId="urn:microsoft.com/office/officeart/2005/8/layout/hierarchy4"/>
     <dgm:cxn modelId="{E3AE07BD-6834-49E5-9760-FF2EA6E3DFC1}" type="presOf" srcId="{DAA0CDEA-66FF-4B59-83C0-5DF3739FF634}" destId="{D605A22C-FCB7-432D-A61C-937CC3AA7329}" srcOrd="0" destOrd="0" presId="urn:microsoft.com/office/officeart/2005/8/layout/hierarchy4"/>
-    <dgm:cxn modelId="{E5FBD5CD-184B-47C3-BAA1-7908AC7E3F00}" srcId="{C4A0EFEE-1481-455F-8BA7-F6D65DB4F566}" destId="{C0202654-6496-4A38-947F-6D263F54D052}" srcOrd="4" destOrd="0" parTransId="{9EC33439-9286-4403-809E-7E0D8E797DCA}" sibTransId="{A2485B61-BCBD-454F-A541-D8A27E8637F8}"/>
     <dgm:cxn modelId="{753964D5-26F4-4FC0-A7D2-3F058CAF7CFF}" srcId="{C4A0EFEE-1481-455F-8BA7-F6D65DB4F566}" destId="{3F1CF48A-3DB5-4CC1-980A-810A9507A764}" srcOrd="0" destOrd="0" parTransId="{394DFCF8-59F3-41C1-8492-093173F9A775}" sibTransId="{CB0DEC35-FF43-450C-8C51-70BF1E530608}"/>
     <dgm:cxn modelId="{EDAE01DC-0064-446A-B0C6-ECABC2A68E12}" type="presOf" srcId="{C4A0EFEE-1481-455F-8BA7-F6D65DB4F566}" destId="{D7F02BD0-EE8D-4F56-9C8A-84FD4A2956FA}" srcOrd="0" destOrd="0" presId="urn:microsoft.com/office/officeart/2005/8/layout/hierarchy4"/>
-    <dgm:cxn modelId="{98DFAAE4-92CD-4C9F-82F5-2F8B9D14B2AE}" srcId="{C4A0EFEE-1481-455F-8BA7-F6D65DB4F566}" destId="{1C8E9C65-040F-47BF-9E15-FC4505F7A581}" srcOrd="5" destOrd="0" parTransId="{1D5460C8-7CF6-487C-B18C-7443D1775018}" sibTransId="{5B450A90-928E-48BE-AA5C-54A5E2693FD9}"/>
+    <dgm:cxn modelId="{98DFAAE4-92CD-4C9F-82F5-2F8B9D14B2AE}" srcId="{C4A0EFEE-1481-455F-8BA7-F6D65DB4F566}" destId="{1C8E9C65-040F-47BF-9E15-FC4505F7A581}" srcOrd="4" destOrd="0" parTransId="{1D5460C8-7CF6-487C-B18C-7443D1775018}" sibTransId="{5B450A90-928E-48BE-AA5C-54A5E2693FD9}"/>
     <dgm:cxn modelId="{27FAF6ED-CC17-473F-B9E9-CA2E58D56FCB}" srcId="{C4A0EFEE-1481-455F-8BA7-F6D65DB4F566}" destId="{DAA0CDEA-66FF-4B59-83C0-5DF3739FF634}" srcOrd="1" destOrd="0" parTransId="{DD59B271-10F8-41F9-B260-3DFE1A85B8E2}" sibTransId="{C412EB56-B50A-473F-810A-549DB18D03C3}"/>
-    <dgm:cxn modelId="{2BDC80FB-12FA-4CD1-9CF9-E3CD1A774844}" type="presOf" srcId="{17548BB8-20D6-4EBA-92EE-C12A60791198}" destId="{1D90C3C7-D323-4933-B6D1-8407A0DB4FCE}" srcOrd="0" destOrd="0" presId="urn:microsoft.com/office/officeart/2005/8/layout/hierarchy4"/>
     <dgm:cxn modelId="{BED119AD-36DA-44D1-B5FD-BD9D757D003F}" type="presParOf" srcId="{9E19E57A-0E06-4E1E-BC85-25636A08E2A8}" destId="{DB22A180-3F88-43C3-96CA-7897CAAE3B9C}" srcOrd="0" destOrd="0" presId="urn:microsoft.com/office/officeart/2005/8/layout/hierarchy4"/>
     <dgm:cxn modelId="{B66003D7-8321-4771-80F2-FD86F3546552}" type="presParOf" srcId="{DB22A180-3F88-43C3-96CA-7897CAAE3B9C}" destId="{D7F02BD0-EE8D-4F56-9C8A-84FD4A2956FA}" srcOrd="0" destOrd="0" presId="urn:microsoft.com/office/officeart/2005/8/layout/hierarchy4"/>
     <dgm:cxn modelId="{8CE1B205-0223-438D-8EC9-704CED7BE32C}" type="presParOf" srcId="{DB22A180-3F88-43C3-96CA-7897CAAE3B9C}" destId="{A94790DD-5C20-4585-9B00-7EE31A8A5582}" srcOrd="1" destOrd="0" presId="urn:microsoft.com/office/officeart/2005/8/layout/hierarchy4"/>
@@ -2923,17 +2806,9 @@
     <dgm:cxn modelId="{B5D8446B-55BB-4E0A-8ADB-212693F19C01}" type="presParOf" srcId="{1E028CA0-D8F5-41A6-B2BB-1FA5A765987B}" destId="{34964A98-ADA1-4575-8410-E288B3B7D446}" srcOrd="0" destOrd="0" presId="urn:microsoft.com/office/officeart/2005/8/layout/hierarchy4"/>
     <dgm:cxn modelId="{387F5D98-984F-4AF0-B091-E0FFBEE85439}" type="presParOf" srcId="{1E028CA0-D8F5-41A6-B2BB-1FA5A765987B}" destId="{9BE8BA5F-F863-45BD-91AE-C303C1AE21AC}" srcOrd="1" destOrd="0" presId="urn:microsoft.com/office/officeart/2005/8/layout/hierarchy4"/>
     <dgm:cxn modelId="{0ACE7E1B-3A97-43DB-B309-7F4BA29AA756}" type="presParOf" srcId="{F9C02ED2-41ED-4C7D-8F8E-99F5BBCD07D5}" destId="{A703382B-7B76-48BF-A2B4-893D79E0A8A4}" srcOrd="7" destOrd="0" presId="urn:microsoft.com/office/officeart/2005/8/layout/hierarchy4"/>
-    <dgm:cxn modelId="{0B69EBD1-DB88-4685-B9F1-F058859706C2}" type="presParOf" srcId="{F9C02ED2-41ED-4C7D-8F8E-99F5BBCD07D5}" destId="{CBA6DAAE-AED1-43CA-B63A-B7D823B7FDA2}" srcOrd="8" destOrd="0" presId="urn:microsoft.com/office/officeart/2005/8/layout/hierarchy4"/>
-    <dgm:cxn modelId="{89728B35-5D63-46D7-A9AA-2F0F1689C7B5}" type="presParOf" srcId="{CBA6DAAE-AED1-43CA-B63A-B7D823B7FDA2}" destId="{74693AE9-B3C0-4642-99B8-099E1456C521}" srcOrd="0" destOrd="0" presId="urn:microsoft.com/office/officeart/2005/8/layout/hierarchy4"/>
-    <dgm:cxn modelId="{E658C2BE-4D58-4C09-8472-BF99512B0F6A}" type="presParOf" srcId="{CBA6DAAE-AED1-43CA-B63A-B7D823B7FDA2}" destId="{AA4F9E0F-752F-48E9-93A1-4A8C557B893A}" srcOrd="1" destOrd="0" presId="urn:microsoft.com/office/officeart/2005/8/layout/hierarchy4"/>
-    <dgm:cxn modelId="{57E29092-09E8-4DC4-B491-F9D19A8E087A}" type="presParOf" srcId="{F9C02ED2-41ED-4C7D-8F8E-99F5BBCD07D5}" destId="{795EAAD6-44F6-4630-A4B6-0ACC4FDCB763}" srcOrd="9" destOrd="0" presId="urn:microsoft.com/office/officeart/2005/8/layout/hierarchy4"/>
-    <dgm:cxn modelId="{6CDE5E31-82D0-44B4-9851-51270AD36F74}" type="presParOf" srcId="{F9C02ED2-41ED-4C7D-8F8E-99F5BBCD07D5}" destId="{BDB7441E-3A2E-404B-B635-D2DE28845F54}" srcOrd="10" destOrd="0" presId="urn:microsoft.com/office/officeart/2005/8/layout/hierarchy4"/>
+    <dgm:cxn modelId="{6CDE5E31-82D0-44B4-9851-51270AD36F74}" type="presParOf" srcId="{F9C02ED2-41ED-4C7D-8F8E-99F5BBCD07D5}" destId="{BDB7441E-3A2E-404B-B635-D2DE28845F54}" srcOrd="8" destOrd="0" presId="urn:microsoft.com/office/officeart/2005/8/layout/hierarchy4"/>
     <dgm:cxn modelId="{36B11C57-579C-4DFD-B8EF-8025714F5664}" type="presParOf" srcId="{BDB7441E-3A2E-404B-B635-D2DE28845F54}" destId="{700B5B8A-756B-4351-A9FB-0E9AB85C5C8D}" srcOrd="0" destOrd="0" presId="urn:microsoft.com/office/officeart/2005/8/layout/hierarchy4"/>
     <dgm:cxn modelId="{C0CF0966-557E-4553-8791-9EABA2CDEE8B}" type="presParOf" srcId="{BDB7441E-3A2E-404B-B635-D2DE28845F54}" destId="{0B6AC341-300F-4DF8-B064-2D5C3F0CFA14}" srcOrd="1" destOrd="0" presId="urn:microsoft.com/office/officeart/2005/8/layout/hierarchy4"/>
-    <dgm:cxn modelId="{6B004AAF-0C1E-4379-B383-E4667F3D456E}" type="presParOf" srcId="{F9C02ED2-41ED-4C7D-8F8E-99F5BBCD07D5}" destId="{D0879274-48A3-4ABA-B95E-9B19F75C1D66}" srcOrd="11" destOrd="0" presId="urn:microsoft.com/office/officeart/2005/8/layout/hierarchy4"/>
-    <dgm:cxn modelId="{11EA8E6D-4149-4274-97A1-D3ADE49FE0F4}" type="presParOf" srcId="{F9C02ED2-41ED-4C7D-8F8E-99F5BBCD07D5}" destId="{051A8E09-80EA-4D98-988C-FCC629E510F7}" srcOrd="12" destOrd="0" presId="urn:microsoft.com/office/officeart/2005/8/layout/hierarchy4"/>
-    <dgm:cxn modelId="{478AC6DB-3A5C-4B4E-B8D6-828F62A93346}" type="presParOf" srcId="{051A8E09-80EA-4D98-988C-FCC629E510F7}" destId="{1D90C3C7-D323-4933-B6D1-8407A0DB4FCE}" srcOrd="0" destOrd="0" presId="urn:microsoft.com/office/officeart/2005/8/layout/hierarchy4"/>
-    <dgm:cxn modelId="{41A0004F-5E5B-4D61-B527-434E0254AE9C}" type="presParOf" srcId="{051A8E09-80EA-4D98-988C-FCC629E510F7}" destId="{BF8FE49D-3B1B-4869-9DE8-878C32DF6BA5}" srcOrd="1" destOrd="0" presId="urn:microsoft.com/office/officeart/2005/8/layout/hierarchy4"/>
   </dgm:cxnLst>
   <dgm:bg/>
   <dgm:whole/>
@@ -3301,7 +3176,7 @@
       <dsp:spPr>
         <a:xfrm>
           <a:off x="0" y="0"/>
-          <a:ext cx="10499374" cy="1049610"/>
+          <a:ext cx="10507158" cy="1049610"/>
         </a:xfrm>
         <a:prstGeom prst="roundRect">
           <a:avLst>
@@ -3369,7 +3244,7 @@
       </dsp:txBody>
       <dsp:txXfrm>
         <a:off x="30742" y="30742"/>
-        <a:ext cx="10437890" cy="988126"/>
+        <a:ext cx="10445674" cy="988126"/>
       </dsp:txXfrm>
     </dsp:sp>
     <dsp:sp modelId="{C6455CD1-D5EE-4002-A627-A49B92DFEADD}">
@@ -3379,8 +3254,8 @@
       </dsp:nvSpPr>
       <dsp:spPr>
         <a:xfrm>
-          <a:off x="8112" y="1311928"/>
-          <a:ext cx="1399170" cy="1049610"/>
+          <a:off x="4220" y="1311928"/>
+          <a:ext cx="1969107" cy="1049610"/>
         </a:xfrm>
         <a:prstGeom prst="roundRect">
           <a:avLst>
@@ -3422,12 +3297,12 @@
         </a:fontRef>
       </dsp:style>
       <dsp:txBody>
-        <a:bodyPr spcFirstLastPara="0" vert="horz" wrap="square" lIns="76200" tIns="76200" rIns="76200" bIns="76200" numCol="1" spcCol="1270" anchor="ctr" anchorCtr="0">
+        <a:bodyPr spcFirstLastPara="0" vert="horz" wrap="square" lIns="148590" tIns="148590" rIns="148590" bIns="148590" numCol="1" spcCol="1270" anchor="ctr" anchorCtr="0">
           <a:noAutofit/>
         </a:bodyPr>
         <a:lstStyle/>
         <a:p>
-          <a:pPr marL="0" lvl="0" indent="0" algn="ctr" defTabSz="889000">
+          <a:pPr marL="0" lvl="0" indent="0" algn="ctr" defTabSz="1733550">
             <a:lnSpc>
               <a:spcPct val="90000"/>
             </a:lnSpc>
@@ -3440,15 +3315,15 @@
             <a:buNone/>
           </a:pPr>
           <a:r>
-            <a:rPr lang="en-US" sz="2000" kern="1200" dirty="0"/>
+            <a:rPr lang="en-US" sz="3900" kern="1200" dirty="0"/>
             <a:t>Object</a:t>
           </a:r>
-          <a:endParaRPr lang="en-IN" sz="2000" kern="1200" dirty="0"/>
+          <a:endParaRPr lang="en-IN" sz="3900" kern="1200" dirty="0"/>
         </a:p>
       </dsp:txBody>
       <dsp:txXfrm>
-        <a:off x="38854" y="1342670"/>
-        <a:ext cx="1337686" cy="988126"/>
+        <a:off x="34962" y="1342670"/>
+        <a:ext cx="1907623" cy="988126"/>
       </dsp:txXfrm>
     </dsp:sp>
     <dsp:sp modelId="{D605A22C-FCB7-432D-A61C-937CC3AA7329}">
@@ -3458,8 +3333,8 @@
       </dsp:nvSpPr>
       <dsp:spPr>
         <a:xfrm>
-          <a:off x="1524813" y="1311928"/>
-          <a:ext cx="1399170" cy="1049610"/>
+          <a:off x="2138733" y="1311928"/>
+          <a:ext cx="1969107" cy="1049610"/>
         </a:xfrm>
         <a:prstGeom prst="roundRect">
           <a:avLst>
@@ -3501,12 +3376,12 @@
         </a:fontRef>
       </dsp:style>
       <dsp:txBody>
-        <a:bodyPr spcFirstLastPara="0" vert="horz" wrap="square" lIns="76200" tIns="76200" rIns="76200" bIns="76200" numCol="1" spcCol="1270" anchor="ctr" anchorCtr="0">
+        <a:bodyPr spcFirstLastPara="0" vert="horz" wrap="square" lIns="148590" tIns="148590" rIns="148590" bIns="148590" numCol="1" spcCol="1270" anchor="ctr" anchorCtr="0">
           <a:noAutofit/>
         </a:bodyPr>
         <a:lstStyle/>
         <a:p>
-          <a:pPr marL="0" lvl="0" indent="0" algn="ctr" defTabSz="889000">
+          <a:pPr marL="0" lvl="0" indent="0" algn="ctr" defTabSz="1733550">
             <a:lnSpc>
               <a:spcPct val="90000"/>
             </a:lnSpc>
@@ -3519,15 +3394,15 @@
             <a:buNone/>
           </a:pPr>
           <a:r>
-            <a:rPr lang="en-US" sz="2000" kern="1200" dirty="0"/>
+            <a:rPr lang="en-US" sz="3900" kern="1200" dirty="0"/>
             <a:t>XML</a:t>
           </a:r>
-          <a:endParaRPr lang="en-IN" sz="2000" kern="1200" dirty="0"/>
+          <a:endParaRPr lang="en-IN" sz="3900" kern="1200" dirty="0"/>
         </a:p>
       </dsp:txBody>
       <dsp:txXfrm>
-        <a:off x="1555555" y="1342670"/>
-        <a:ext cx="1337686" cy="988126"/>
+        <a:off x="2169475" y="1342670"/>
+        <a:ext cx="1907623" cy="988126"/>
       </dsp:txXfrm>
     </dsp:sp>
     <dsp:sp modelId="{083C68F1-121D-47F9-812B-6E96DA418BAD}">
@@ -3537,8 +3412,8 @@
       </dsp:nvSpPr>
       <dsp:spPr>
         <a:xfrm>
-          <a:off x="3041514" y="1311928"/>
-          <a:ext cx="1399170" cy="1049610"/>
+          <a:off x="4273246" y="1311928"/>
+          <a:ext cx="1969107" cy="1049610"/>
         </a:xfrm>
         <a:prstGeom prst="roundRect">
           <a:avLst>
@@ -3580,12 +3455,12 @@
         </a:fontRef>
       </dsp:style>
       <dsp:txBody>
-        <a:bodyPr spcFirstLastPara="0" vert="horz" wrap="square" lIns="76200" tIns="76200" rIns="76200" bIns="76200" numCol="1" spcCol="1270" anchor="ctr" anchorCtr="0">
+        <a:bodyPr spcFirstLastPara="0" vert="horz" wrap="square" lIns="148590" tIns="148590" rIns="148590" bIns="148590" numCol="1" spcCol="1270" anchor="ctr" anchorCtr="0">
           <a:noAutofit/>
         </a:bodyPr>
         <a:lstStyle/>
         <a:p>
-          <a:pPr marL="0" lvl="0" indent="0" algn="ctr" defTabSz="889000">
+          <a:pPr marL="0" lvl="0" indent="0" algn="ctr" defTabSz="1733550">
             <a:lnSpc>
               <a:spcPct val="90000"/>
             </a:lnSpc>
@@ -3598,15 +3473,15 @@
             <a:buNone/>
           </a:pPr>
           <a:r>
-            <a:rPr lang="en-US" sz="2000" kern="1200" dirty="0"/>
+            <a:rPr lang="en-US" sz="3900" kern="1200" dirty="0"/>
             <a:t>Dataset</a:t>
           </a:r>
-          <a:endParaRPr lang="en-IN" sz="2000" kern="1200" dirty="0"/>
+          <a:endParaRPr lang="en-IN" sz="3900" kern="1200" dirty="0"/>
         </a:p>
       </dsp:txBody>
       <dsp:txXfrm>
-        <a:off x="3072256" y="1342670"/>
-        <a:ext cx="1337686" cy="988126"/>
+        <a:off x="4303988" y="1342670"/>
+        <a:ext cx="1907623" cy="988126"/>
       </dsp:txXfrm>
     </dsp:sp>
     <dsp:sp modelId="{34964A98-ADA1-4575-8410-E288B3B7D446}">
@@ -3616,8 +3491,8 @@
       </dsp:nvSpPr>
       <dsp:spPr>
         <a:xfrm>
-          <a:off x="4558214" y="1311928"/>
-          <a:ext cx="1399170" cy="1049610"/>
+          <a:off x="6407758" y="1311928"/>
+          <a:ext cx="1969107" cy="1049610"/>
         </a:xfrm>
         <a:prstGeom prst="roundRect">
           <a:avLst>
@@ -3659,12 +3534,12 @@
         </a:fontRef>
       </dsp:style>
       <dsp:txBody>
-        <a:bodyPr spcFirstLastPara="0" vert="horz" wrap="square" lIns="76200" tIns="76200" rIns="76200" bIns="76200" numCol="1" spcCol="1270" anchor="ctr" anchorCtr="0">
+        <a:bodyPr spcFirstLastPara="0" vert="horz" wrap="square" lIns="148590" tIns="148590" rIns="148590" bIns="148590" numCol="1" spcCol="1270" anchor="ctr" anchorCtr="0">
           <a:noAutofit/>
         </a:bodyPr>
         <a:lstStyle/>
         <a:p>
-          <a:pPr marL="0" lvl="0" indent="0" algn="ctr" defTabSz="889000">
+          <a:pPr marL="0" lvl="0" indent="0" algn="ctr" defTabSz="1733550">
             <a:lnSpc>
               <a:spcPct val="90000"/>
             </a:lnSpc>
@@ -3677,26 +3552,26 @@
             <a:buNone/>
           </a:pPr>
           <a:r>
-            <a:rPr lang="en-US" sz="2000" kern="1200" dirty="0"/>
+            <a:rPr lang="en-US" sz="3900" kern="1200" dirty="0"/>
             <a:t>Entities</a:t>
           </a:r>
-          <a:endParaRPr lang="en-IN" sz="2000" kern="1200" dirty="0"/>
+          <a:endParaRPr lang="en-IN" sz="3900" kern="1200" dirty="0"/>
         </a:p>
       </dsp:txBody>
       <dsp:txXfrm>
-        <a:off x="4588956" y="1342670"/>
-        <a:ext cx="1337686" cy="988126"/>
+        <a:off x="6438500" y="1342670"/>
+        <a:ext cx="1907623" cy="988126"/>
       </dsp:txXfrm>
     </dsp:sp>
-    <dsp:sp modelId="{74693AE9-B3C0-4642-99B8-099E1456C521}">
+    <dsp:sp modelId="{700B5B8A-756B-4351-A9FB-0E9AB85C5C8D}">
       <dsp:nvSpPr>
         <dsp:cNvPr id="0" name=""/>
         <dsp:cNvSpPr/>
       </dsp:nvSpPr>
       <dsp:spPr>
         <a:xfrm>
-          <a:off x="6074915" y="1311928"/>
-          <a:ext cx="1399170" cy="1049610"/>
+          <a:off x="8542271" y="1311928"/>
+          <a:ext cx="1969107" cy="1049610"/>
         </a:xfrm>
         <a:prstGeom prst="roundRect">
           <a:avLst>
@@ -3738,12 +3613,12 @@
         </a:fontRef>
       </dsp:style>
       <dsp:txBody>
-        <a:bodyPr spcFirstLastPara="0" vert="horz" wrap="square" lIns="76200" tIns="76200" rIns="76200" bIns="76200" numCol="1" spcCol="1270" anchor="ctr" anchorCtr="0">
+        <a:bodyPr spcFirstLastPara="0" vert="horz" wrap="square" lIns="148590" tIns="148590" rIns="148590" bIns="148590" numCol="1" spcCol="1270" anchor="ctr" anchorCtr="0">
           <a:noAutofit/>
         </a:bodyPr>
         <a:lstStyle/>
         <a:p>
-          <a:pPr marL="0" lvl="0" indent="0" algn="ctr" defTabSz="889000">
+          <a:pPr marL="0" lvl="0" indent="0" algn="ctr" defTabSz="1733550">
             <a:lnSpc>
               <a:spcPct val="90000"/>
             </a:lnSpc>
@@ -3756,173 +3631,15 @@
             <a:buNone/>
           </a:pPr>
           <a:r>
-            <a:rPr lang="en-US" sz="2000" kern="1200"/>
-            <a:t>SQL</a:t>
+            <a:rPr lang="en-US" sz="3900" kern="1200" dirty="0"/>
+            <a:t>Json</a:t>
           </a:r>
-          <a:endParaRPr lang="en-IN" sz="2000" kern="1200"/>
+          <a:endParaRPr lang="en-IN" sz="3900" kern="1200" dirty="0"/>
         </a:p>
       </dsp:txBody>
       <dsp:txXfrm>
-        <a:off x="6105657" y="1342670"/>
-        <a:ext cx="1337686" cy="988126"/>
-      </dsp:txXfrm>
-    </dsp:sp>
-    <dsp:sp modelId="{700B5B8A-756B-4351-A9FB-0E9AB85C5C8D}">
-      <dsp:nvSpPr>
-        <dsp:cNvPr id="0" name=""/>
-        <dsp:cNvSpPr/>
-      </dsp:nvSpPr>
-      <dsp:spPr>
-        <a:xfrm>
-          <a:off x="7591616" y="1311928"/>
-          <a:ext cx="1399170" cy="1049610"/>
-        </a:xfrm>
-        <a:prstGeom prst="roundRect">
-          <a:avLst>
-            <a:gd name="adj" fmla="val 10000"/>
-          </a:avLst>
-        </a:prstGeom>
-        <a:solidFill>
-          <a:schemeClr val="dk2">
-            <a:hueOff val="0"/>
-            <a:satOff val="0"/>
-            <a:lumOff val="0"/>
-            <a:alphaOff val="0"/>
-          </a:schemeClr>
-        </a:solidFill>
-        <a:ln>
-          <a:noFill/>
-        </a:ln>
-        <a:effectLst/>
-        <a:scene3d>
-          <a:camera prst="orthographicFront"/>
-          <a:lightRig rig="chilly" dir="t"/>
-        </a:scene3d>
-        <a:sp3d prstMaterial="translucentPowder">
-          <a:bevelT w="127000" h="25400" prst="softRound"/>
-        </a:sp3d>
-      </dsp:spPr>
-      <dsp:style>
-        <a:lnRef idx="0">
-          <a:scrgbClr r="0" g="0" b="0"/>
-        </a:lnRef>
-        <a:fillRef idx="1">
-          <a:scrgbClr r="0" g="0" b="0"/>
-        </a:fillRef>
-        <a:effectRef idx="0">
-          <a:scrgbClr r="0" g="0" b="0"/>
-        </a:effectRef>
-        <a:fontRef idx="minor">
-          <a:schemeClr val="lt1"/>
-        </a:fontRef>
-      </dsp:style>
-      <dsp:txBody>
-        <a:bodyPr spcFirstLastPara="0" vert="horz" wrap="square" lIns="76200" tIns="76200" rIns="76200" bIns="76200" numCol="1" spcCol="1270" anchor="ctr" anchorCtr="0">
-          <a:noAutofit/>
-        </a:bodyPr>
-        <a:lstStyle/>
-        <a:p>
-          <a:pPr marL="0" lvl="0" indent="0" algn="ctr" defTabSz="889000">
-            <a:lnSpc>
-              <a:spcPct val="90000"/>
-            </a:lnSpc>
-            <a:spcBef>
-              <a:spcPct val="0"/>
-            </a:spcBef>
-            <a:spcAft>
-              <a:spcPct val="35000"/>
-            </a:spcAft>
-            <a:buNone/>
-          </a:pPr>
-          <a:r>
-            <a:rPr lang="en-US" sz="2000" kern="1200" dirty="0"/>
-            <a:t>Json</a:t>
-          </a:r>
-          <a:endParaRPr lang="en-IN" sz="2000" kern="1200" dirty="0"/>
-        </a:p>
-      </dsp:txBody>
-      <dsp:txXfrm>
-        <a:off x="7622358" y="1342670"/>
-        <a:ext cx="1337686" cy="988126"/>
-      </dsp:txXfrm>
-    </dsp:sp>
-    <dsp:sp modelId="{1D90C3C7-D323-4933-B6D1-8407A0DB4FCE}">
-      <dsp:nvSpPr>
-        <dsp:cNvPr id="0" name=""/>
-        <dsp:cNvSpPr/>
-      </dsp:nvSpPr>
-      <dsp:spPr>
-        <a:xfrm>
-          <a:off x="9108316" y="1311928"/>
-          <a:ext cx="1399170" cy="1049610"/>
-        </a:xfrm>
-        <a:prstGeom prst="roundRect">
-          <a:avLst>
-            <a:gd name="adj" fmla="val 10000"/>
-          </a:avLst>
-        </a:prstGeom>
-        <a:solidFill>
-          <a:schemeClr val="dk2">
-            <a:hueOff val="0"/>
-            <a:satOff val="0"/>
-            <a:lumOff val="0"/>
-            <a:alphaOff val="0"/>
-          </a:schemeClr>
-        </a:solidFill>
-        <a:ln>
-          <a:noFill/>
-        </a:ln>
-        <a:effectLst/>
-        <a:scene3d>
-          <a:camera prst="orthographicFront"/>
-          <a:lightRig rig="chilly" dir="t"/>
-        </a:scene3d>
-        <a:sp3d prstMaterial="translucentPowder">
-          <a:bevelT w="127000" h="25400" prst="softRound"/>
-        </a:sp3d>
-      </dsp:spPr>
-      <dsp:style>
-        <a:lnRef idx="0">
-          <a:scrgbClr r="0" g="0" b="0"/>
-        </a:lnRef>
-        <a:fillRef idx="1">
-          <a:scrgbClr r="0" g="0" b="0"/>
-        </a:fillRef>
-        <a:effectRef idx="0">
-          <a:scrgbClr r="0" g="0" b="0"/>
-        </a:effectRef>
-        <a:fontRef idx="minor">
-          <a:schemeClr val="lt1"/>
-        </a:fontRef>
-      </dsp:style>
-      <dsp:txBody>
-        <a:bodyPr spcFirstLastPara="0" vert="horz" wrap="square" lIns="76200" tIns="76200" rIns="76200" bIns="76200" numCol="1" spcCol="1270" anchor="ctr" anchorCtr="0">
-          <a:noAutofit/>
-        </a:bodyPr>
-        <a:lstStyle/>
-        <a:p>
-          <a:pPr marL="0" lvl="0" indent="0" algn="ctr" defTabSz="889000">
-            <a:lnSpc>
-              <a:spcPct val="90000"/>
-            </a:lnSpc>
-            <a:spcBef>
-              <a:spcPct val="0"/>
-            </a:spcBef>
-            <a:spcAft>
-              <a:spcPct val="35000"/>
-            </a:spcAft>
-            <a:buNone/>
-          </a:pPr>
-          <a:r>
-            <a:rPr lang="en-US" sz="2000" kern="1200" dirty="0"/>
-            <a:t>IQueryable</a:t>
-          </a:r>
-          <a:endParaRPr lang="en-IN" sz="2000" kern="1200" dirty="0"/>
-        </a:p>
-      </dsp:txBody>
-      <dsp:txXfrm>
-        <a:off x="9139058" y="1342670"/>
-        <a:ext cx="1337686" cy="988126"/>
+        <a:off x="8573013" y="1342670"/>
+        <a:ext cx="1907623" cy="988126"/>
       </dsp:txXfrm>
     </dsp:sp>
   </dsp:spTree>
@@ -10131,7 +9848,7 @@
           <a:p>
             <a:fld id="{796FDD7A-9F38-4CDF-B347-1A5209BFD58B}" type="datetimeFigureOut">
               <a:rPr lang="en-IN" smtClean="0"/>
-              <a:t>21-02-2026</a:t>
+              <a:t>22-02-2026</a:t>
             </a:fld>
             <a:endParaRPr lang="en-IN"/>
           </a:p>
@@ -10639,7 +10356,7 @@
           <a:p>
             <a:fld id="{C1938870-312B-410B-A6B0-3A5B6A2B0AD3}" type="datetimeFigureOut">
               <a:rPr lang="en-IN" smtClean="0"/>
-              <a:t>21-02-2026</a:t>
+              <a:t>22-02-2026</a:t>
             </a:fld>
             <a:endParaRPr lang="en-IN"/>
           </a:p>
@@ -10839,7 +10556,7 @@
           <a:p>
             <a:fld id="{C1938870-312B-410B-A6B0-3A5B6A2B0AD3}" type="datetimeFigureOut">
               <a:rPr lang="en-IN" smtClean="0"/>
-              <a:t>21-02-2026</a:t>
+              <a:t>22-02-2026</a:t>
             </a:fld>
             <a:endParaRPr lang="en-IN"/>
           </a:p>
@@ -11049,7 +10766,7 @@
           <a:p>
             <a:fld id="{C1938870-312B-410B-A6B0-3A5B6A2B0AD3}" type="datetimeFigureOut">
               <a:rPr lang="en-IN" smtClean="0"/>
-              <a:t>21-02-2026</a:t>
+              <a:t>22-02-2026</a:t>
             </a:fld>
             <a:endParaRPr lang="en-IN"/>
           </a:p>
@@ -11249,7 +10966,7 @@
           <a:p>
             <a:fld id="{C1938870-312B-410B-A6B0-3A5B6A2B0AD3}" type="datetimeFigureOut">
               <a:rPr lang="en-IN" smtClean="0"/>
-              <a:t>21-02-2026</a:t>
+              <a:t>22-02-2026</a:t>
             </a:fld>
             <a:endParaRPr lang="en-IN"/>
           </a:p>
@@ -11525,7 +11242,7 @@
           <a:p>
             <a:fld id="{C1938870-312B-410B-A6B0-3A5B6A2B0AD3}" type="datetimeFigureOut">
               <a:rPr lang="en-IN" smtClean="0"/>
-              <a:t>21-02-2026</a:t>
+              <a:t>22-02-2026</a:t>
             </a:fld>
             <a:endParaRPr lang="en-IN"/>
           </a:p>
@@ -11793,7 +11510,7 @@
           <a:p>
             <a:fld id="{C1938870-312B-410B-A6B0-3A5B6A2B0AD3}" type="datetimeFigureOut">
               <a:rPr lang="en-IN" smtClean="0"/>
-              <a:t>21-02-2026</a:t>
+              <a:t>22-02-2026</a:t>
             </a:fld>
             <a:endParaRPr lang="en-IN"/>
           </a:p>
@@ -12208,7 +11925,7 @@
           <a:p>
             <a:fld id="{C1938870-312B-410B-A6B0-3A5B6A2B0AD3}" type="datetimeFigureOut">
               <a:rPr lang="en-IN" smtClean="0"/>
-              <a:t>21-02-2026</a:t>
+              <a:t>22-02-2026</a:t>
             </a:fld>
             <a:endParaRPr lang="en-IN"/>
           </a:p>
@@ -12350,7 +12067,7 @@
           <a:p>
             <a:fld id="{C1938870-312B-410B-A6B0-3A5B6A2B0AD3}" type="datetimeFigureOut">
               <a:rPr lang="en-IN" smtClean="0"/>
-              <a:t>21-02-2026</a:t>
+              <a:t>22-02-2026</a:t>
             </a:fld>
             <a:endParaRPr lang="en-IN"/>
           </a:p>
@@ -12463,7 +12180,7 @@
           <a:p>
             <a:fld id="{C1938870-312B-410B-A6B0-3A5B6A2B0AD3}" type="datetimeFigureOut">
               <a:rPr lang="en-IN" smtClean="0"/>
-              <a:t>21-02-2026</a:t>
+              <a:t>22-02-2026</a:t>
             </a:fld>
             <a:endParaRPr lang="en-IN"/>
           </a:p>
@@ -12776,7 +12493,7 @@
           <a:p>
             <a:fld id="{C1938870-312B-410B-A6B0-3A5B6A2B0AD3}" type="datetimeFigureOut">
               <a:rPr lang="en-IN" smtClean="0"/>
-              <a:t>21-02-2026</a:t>
+              <a:t>22-02-2026</a:t>
             </a:fld>
             <a:endParaRPr lang="en-IN"/>
           </a:p>
@@ -13065,7 +12782,7 @@
           <a:p>
             <a:fld id="{C1938870-312B-410B-A6B0-3A5B6A2B0AD3}" type="datetimeFigureOut">
               <a:rPr lang="en-IN" smtClean="0"/>
-              <a:t>21-02-2026</a:t>
+              <a:t>22-02-2026</a:t>
             </a:fld>
             <a:endParaRPr lang="en-IN"/>
           </a:p>
@@ -13308,7 +13025,7 @@
           <a:p>
             <a:fld id="{C1938870-312B-410B-A6B0-3A5B6A2B0AD3}" type="datetimeFigureOut">
               <a:rPr lang="en-IN" smtClean="0"/>
-              <a:t>21-02-2026</a:t>
+              <a:t>22-02-2026</a:t>
             </a:fld>
             <a:endParaRPr lang="en-IN"/>
           </a:p>
@@ -13943,11 +13660,13 @@
         <p:spPr>
           <a:xfrm>
             <a:off x="838200" y="1690688"/>
-            <a:ext cx="10515600" cy="4486275"/>
+            <a:ext cx="3921760" cy="4486275"/>
           </a:xfrm>
         </p:spPr>
         <p:txBody>
-          <a:bodyPr/>
+          <a:bodyPr>
+            <a:normAutofit/>
+          </a:bodyPr>
           <a:lstStyle/>
           <a:p>
             <a:r>
@@ -13958,8 +13677,446 @@
                   </a:schemeClr>
                 </a:solidFill>
               </a:rPr>
-              <a:t>LINQ Fundamentals</a:t>
+              <a:t>Linq Purpose</a:t>
             </a:r>
+          </a:p>
+          <a:p>
+            <a:r>
+              <a:rPr lang="en-IN" dirty="0">
+                <a:solidFill>
+                  <a:schemeClr val="bg1">
+                    <a:lumMod val="95000"/>
+                  </a:schemeClr>
+                </a:solidFill>
+              </a:rPr>
+              <a:t>Linq to Object</a:t>
+            </a:r>
+          </a:p>
+          <a:p>
+            <a:r>
+              <a:rPr lang="en-IN" dirty="0">
+                <a:solidFill>
+                  <a:schemeClr val="bg1">
+                    <a:lumMod val="95000"/>
+                  </a:schemeClr>
+                </a:solidFill>
+              </a:rPr>
+              <a:t>Linq to XML</a:t>
+            </a:r>
+          </a:p>
+          <a:p>
+            <a:r>
+              <a:rPr lang="en-IN" dirty="0">
+                <a:solidFill>
+                  <a:schemeClr val="bg1">
+                    <a:lumMod val="95000"/>
+                  </a:schemeClr>
+                </a:solidFill>
+              </a:rPr>
+              <a:t>Linq to Dataset</a:t>
+            </a:r>
+          </a:p>
+          <a:p>
+            <a:r>
+              <a:rPr lang="en-IN" dirty="0">
+                <a:solidFill>
+                  <a:schemeClr val="bg1">
+                    <a:lumMod val="95000"/>
+                  </a:schemeClr>
+                </a:solidFill>
+              </a:rPr>
+              <a:t>Linq to Entities</a:t>
+            </a:r>
+          </a:p>
+          <a:p>
+            <a:r>
+              <a:rPr lang="en-IN" dirty="0">
+                <a:solidFill>
+                  <a:schemeClr val="bg1">
+                    <a:lumMod val="95000"/>
+                  </a:schemeClr>
+                </a:solidFill>
+              </a:rPr>
+              <a:t>Linq to Json </a:t>
+            </a:r>
+          </a:p>
+        </p:txBody>
+      </p:sp>
+      <p:sp>
+        <p:nvSpPr>
+          <p:cNvPr id="4" name="Content Placeholder 2">
+            <a:extLst>
+              <a:ext uri="{FF2B5EF4-FFF2-40B4-BE49-F238E27FC236}">
+                <a16:creationId xmlns:a16="http://schemas.microsoft.com/office/drawing/2014/main" id="{699D9874-4049-7E8C-3340-10B48A644F01}"/>
+              </a:ext>
+            </a:extLst>
+          </p:cNvPr>
+          <p:cNvSpPr txBox="1">
+            <a:spLocks/>
+          </p:cNvSpPr>
+          <p:nvPr/>
+        </p:nvSpPr>
+        <p:spPr>
+          <a:xfrm>
+            <a:off x="4759960" y="1690687"/>
+            <a:ext cx="4912360" cy="4486275"/>
+          </a:xfrm>
+          <a:prstGeom prst="rect">
+            <a:avLst/>
+          </a:prstGeom>
+        </p:spPr>
+        <p:txBody>
+          <a:bodyPr vert="horz" lIns="91440" tIns="45720" rIns="91440" bIns="45720" rtlCol="0">
+            <a:normAutofit/>
+          </a:bodyPr>
+          <a:lstStyle>
+            <a:lvl1pPr marL="228600" indent="-228600" algn="l" defTabSz="914400" rtl="0" eaLnBrk="1" latinLnBrk="0" hangingPunct="1">
+              <a:lnSpc>
+                <a:spcPct val="90000"/>
+              </a:lnSpc>
+              <a:spcBef>
+                <a:spcPts val="1000"/>
+              </a:spcBef>
+              <a:buFont typeface="Arial" panose="020B0604020202020204" pitchFamily="34" charset="0"/>
+              <a:buChar char="•"/>
+              <a:defRPr sz="2800" kern="1200">
+                <a:solidFill>
+                  <a:schemeClr val="tx1"/>
+                </a:solidFill>
+                <a:latin typeface="+mn-lt"/>
+                <a:ea typeface="+mn-ea"/>
+                <a:cs typeface="+mn-cs"/>
+              </a:defRPr>
+            </a:lvl1pPr>
+            <a:lvl2pPr marL="685800" indent="-228600" algn="l" defTabSz="914400" rtl="0" eaLnBrk="1" latinLnBrk="0" hangingPunct="1">
+              <a:lnSpc>
+                <a:spcPct val="90000"/>
+              </a:lnSpc>
+              <a:spcBef>
+                <a:spcPts val="500"/>
+              </a:spcBef>
+              <a:buFont typeface="Arial" panose="020B0604020202020204" pitchFamily="34" charset="0"/>
+              <a:buChar char="•"/>
+              <a:defRPr sz="2400" kern="1200">
+                <a:solidFill>
+                  <a:schemeClr val="tx1"/>
+                </a:solidFill>
+                <a:latin typeface="+mn-lt"/>
+                <a:ea typeface="+mn-ea"/>
+                <a:cs typeface="+mn-cs"/>
+              </a:defRPr>
+            </a:lvl2pPr>
+            <a:lvl3pPr marL="1143000" indent="-228600" algn="l" defTabSz="914400" rtl="0" eaLnBrk="1" latinLnBrk="0" hangingPunct="1">
+              <a:lnSpc>
+                <a:spcPct val="90000"/>
+              </a:lnSpc>
+              <a:spcBef>
+                <a:spcPts val="500"/>
+              </a:spcBef>
+              <a:buFont typeface="Arial" panose="020B0604020202020204" pitchFamily="34" charset="0"/>
+              <a:buChar char="•"/>
+              <a:defRPr sz="2000" kern="1200">
+                <a:solidFill>
+                  <a:schemeClr val="tx1"/>
+                </a:solidFill>
+                <a:latin typeface="+mn-lt"/>
+                <a:ea typeface="+mn-ea"/>
+                <a:cs typeface="+mn-cs"/>
+              </a:defRPr>
+            </a:lvl3pPr>
+            <a:lvl4pPr marL="1600200" indent="-228600" algn="l" defTabSz="914400" rtl="0" eaLnBrk="1" latinLnBrk="0" hangingPunct="1">
+              <a:lnSpc>
+                <a:spcPct val="90000"/>
+              </a:lnSpc>
+              <a:spcBef>
+                <a:spcPts val="500"/>
+              </a:spcBef>
+              <a:buFont typeface="Arial" panose="020B0604020202020204" pitchFamily="34" charset="0"/>
+              <a:buChar char="•"/>
+              <a:defRPr sz="1800" kern="1200">
+                <a:solidFill>
+                  <a:schemeClr val="tx1"/>
+                </a:solidFill>
+                <a:latin typeface="+mn-lt"/>
+                <a:ea typeface="+mn-ea"/>
+                <a:cs typeface="+mn-cs"/>
+              </a:defRPr>
+            </a:lvl4pPr>
+            <a:lvl5pPr marL="2057400" indent="-228600" algn="l" defTabSz="914400" rtl="0" eaLnBrk="1" latinLnBrk="0" hangingPunct="1">
+              <a:lnSpc>
+                <a:spcPct val="90000"/>
+              </a:lnSpc>
+              <a:spcBef>
+                <a:spcPts val="500"/>
+              </a:spcBef>
+              <a:buFont typeface="Arial" panose="020B0604020202020204" pitchFamily="34" charset="0"/>
+              <a:buChar char="•"/>
+              <a:defRPr sz="1800" kern="1200">
+                <a:solidFill>
+                  <a:schemeClr val="tx1"/>
+                </a:solidFill>
+                <a:latin typeface="+mn-lt"/>
+                <a:ea typeface="+mn-ea"/>
+                <a:cs typeface="+mn-cs"/>
+              </a:defRPr>
+            </a:lvl5pPr>
+            <a:lvl6pPr marL="2514600" indent="-228600" algn="l" defTabSz="914400" rtl="0" eaLnBrk="1" latinLnBrk="0" hangingPunct="1">
+              <a:lnSpc>
+                <a:spcPct val="90000"/>
+              </a:lnSpc>
+              <a:spcBef>
+                <a:spcPts val="500"/>
+              </a:spcBef>
+              <a:buFont typeface="Arial" panose="020B0604020202020204" pitchFamily="34" charset="0"/>
+              <a:buChar char="•"/>
+              <a:defRPr sz="1800" kern="1200">
+                <a:solidFill>
+                  <a:schemeClr val="tx1"/>
+                </a:solidFill>
+                <a:latin typeface="+mn-lt"/>
+                <a:ea typeface="+mn-ea"/>
+                <a:cs typeface="+mn-cs"/>
+              </a:defRPr>
+            </a:lvl6pPr>
+            <a:lvl7pPr marL="2971800" indent="-228600" algn="l" defTabSz="914400" rtl="0" eaLnBrk="1" latinLnBrk="0" hangingPunct="1">
+              <a:lnSpc>
+                <a:spcPct val="90000"/>
+              </a:lnSpc>
+              <a:spcBef>
+                <a:spcPts val="500"/>
+              </a:spcBef>
+              <a:buFont typeface="Arial" panose="020B0604020202020204" pitchFamily="34" charset="0"/>
+              <a:buChar char="•"/>
+              <a:defRPr sz="1800" kern="1200">
+                <a:solidFill>
+                  <a:schemeClr val="tx1"/>
+                </a:solidFill>
+                <a:latin typeface="+mn-lt"/>
+                <a:ea typeface="+mn-ea"/>
+                <a:cs typeface="+mn-cs"/>
+              </a:defRPr>
+            </a:lvl7pPr>
+            <a:lvl8pPr marL="3429000" indent="-228600" algn="l" defTabSz="914400" rtl="0" eaLnBrk="1" latinLnBrk="0" hangingPunct="1">
+              <a:lnSpc>
+                <a:spcPct val="90000"/>
+              </a:lnSpc>
+              <a:spcBef>
+                <a:spcPts val="500"/>
+              </a:spcBef>
+              <a:buFont typeface="Arial" panose="020B0604020202020204" pitchFamily="34" charset="0"/>
+              <a:buChar char="•"/>
+              <a:defRPr sz="1800" kern="1200">
+                <a:solidFill>
+                  <a:schemeClr val="tx1"/>
+                </a:solidFill>
+                <a:latin typeface="+mn-lt"/>
+                <a:ea typeface="+mn-ea"/>
+                <a:cs typeface="+mn-cs"/>
+              </a:defRPr>
+            </a:lvl8pPr>
+            <a:lvl9pPr marL="3886200" indent="-228600" algn="l" defTabSz="914400" rtl="0" eaLnBrk="1" latinLnBrk="0" hangingPunct="1">
+              <a:lnSpc>
+                <a:spcPct val="90000"/>
+              </a:lnSpc>
+              <a:spcBef>
+                <a:spcPts val="500"/>
+              </a:spcBef>
+              <a:buFont typeface="Arial" panose="020B0604020202020204" pitchFamily="34" charset="0"/>
+              <a:buChar char="•"/>
+              <a:defRPr sz="1800" kern="1200">
+                <a:solidFill>
+                  <a:schemeClr val="tx1"/>
+                </a:solidFill>
+                <a:latin typeface="+mn-lt"/>
+                <a:ea typeface="+mn-ea"/>
+                <a:cs typeface="+mn-cs"/>
+              </a:defRPr>
+            </a:lvl9pPr>
+          </a:lstStyle>
+          <a:p>
+            <a:r>
+              <a:rPr lang="en-IN" dirty="0">
+                <a:solidFill>
+                  <a:schemeClr val="bg1">
+                    <a:lumMod val="95000"/>
+                  </a:schemeClr>
+                </a:solidFill>
+              </a:rPr>
+              <a:t>Standard Query Operators</a:t>
+            </a:r>
+          </a:p>
+          <a:p>
+            <a:pPr lvl="1"/>
+            <a:r>
+              <a:rPr lang="en-IN" dirty="0">
+                <a:solidFill>
+                  <a:schemeClr val="accent5">
+                    <a:lumMod val="40000"/>
+                    <a:lumOff val="60000"/>
+                  </a:schemeClr>
+                </a:solidFill>
+              </a:rPr>
+              <a:t>Filters</a:t>
+            </a:r>
+          </a:p>
+          <a:p>
+            <a:pPr lvl="1"/>
+            <a:r>
+              <a:rPr lang="en-IN" dirty="0">
+                <a:solidFill>
+                  <a:schemeClr val="accent5">
+                    <a:lumMod val="40000"/>
+                    <a:lumOff val="60000"/>
+                  </a:schemeClr>
+                </a:solidFill>
+              </a:rPr>
+              <a:t>Projection operations</a:t>
+            </a:r>
+          </a:p>
+          <a:p>
+            <a:pPr lvl="1">
+              <a:lnSpc>
+                <a:spcPct val="100000"/>
+              </a:lnSpc>
+            </a:pPr>
+            <a:r>
+              <a:rPr lang="en-IN" dirty="0">
+                <a:solidFill>
+                  <a:schemeClr val="accent5">
+                    <a:lumMod val="40000"/>
+                    <a:lumOff val="60000"/>
+                  </a:schemeClr>
+                </a:solidFill>
+              </a:rPr>
+              <a:t>Set Operations</a:t>
+            </a:r>
+          </a:p>
+          <a:p>
+            <a:pPr lvl="1">
+              <a:lnSpc>
+                <a:spcPct val="100000"/>
+              </a:lnSpc>
+            </a:pPr>
+            <a:r>
+              <a:rPr lang="en-IN" dirty="0">
+                <a:solidFill>
+                  <a:schemeClr val="accent5">
+                    <a:lumMod val="40000"/>
+                    <a:lumOff val="60000"/>
+                  </a:schemeClr>
+                </a:solidFill>
+              </a:rPr>
+              <a:t>Sorting Data</a:t>
+            </a:r>
+          </a:p>
+          <a:p>
+            <a:pPr lvl="1">
+              <a:lnSpc>
+                <a:spcPct val="100000"/>
+              </a:lnSpc>
+            </a:pPr>
+            <a:r>
+              <a:rPr lang="en-IN" dirty="0">
+                <a:solidFill>
+                  <a:schemeClr val="accent5">
+                    <a:lumMod val="40000"/>
+                    <a:lumOff val="60000"/>
+                  </a:schemeClr>
+                </a:solidFill>
+              </a:rPr>
+              <a:t>Quantifier operations</a:t>
+            </a:r>
+          </a:p>
+          <a:p>
+            <a:pPr lvl="1">
+              <a:lnSpc>
+                <a:spcPct val="100000"/>
+              </a:lnSpc>
+            </a:pPr>
+            <a:r>
+              <a:rPr lang="en-IN" dirty="0">
+                <a:solidFill>
+                  <a:schemeClr val="accent5">
+                    <a:lumMod val="40000"/>
+                    <a:lumOff val="60000"/>
+                  </a:schemeClr>
+                </a:solidFill>
+              </a:rPr>
+              <a:t>Partitioning data</a:t>
+            </a:r>
+          </a:p>
+          <a:p>
+            <a:pPr lvl="1">
+              <a:lnSpc>
+                <a:spcPct val="100000"/>
+              </a:lnSpc>
+            </a:pPr>
+            <a:r>
+              <a:rPr lang="en-IN" dirty="0">
+                <a:solidFill>
+                  <a:schemeClr val="accent5">
+                    <a:lumMod val="40000"/>
+                    <a:lumOff val="60000"/>
+                  </a:schemeClr>
+                </a:solidFill>
+              </a:rPr>
+              <a:t>Converting Data Types </a:t>
+            </a:r>
+          </a:p>
+          <a:p>
+            <a:pPr lvl="1">
+              <a:lnSpc>
+                <a:spcPct val="100000"/>
+              </a:lnSpc>
+            </a:pPr>
+            <a:r>
+              <a:rPr lang="en-IN" dirty="0">
+                <a:solidFill>
+                  <a:schemeClr val="accent5">
+                    <a:lumMod val="40000"/>
+                    <a:lumOff val="60000"/>
+                  </a:schemeClr>
+                </a:solidFill>
+              </a:rPr>
+              <a:t>Join operations</a:t>
+            </a:r>
+          </a:p>
+          <a:p>
+            <a:pPr lvl="1">
+              <a:lnSpc>
+                <a:spcPct val="100000"/>
+              </a:lnSpc>
+            </a:pPr>
+            <a:r>
+              <a:rPr lang="en-IN" dirty="0">
+                <a:solidFill>
+                  <a:schemeClr val="accent5">
+                    <a:lumMod val="40000"/>
+                    <a:lumOff val="60000"/>
+                  </a:schemeClr>
+                </a:solidFill>
+              </a:rPr>
+              <a:t>Grouping Data</a:t>
+            </a:r>
+          </a:p>
+          <a:p>
+            <a:endParaRPr lang="en-IN" b="1" dirty="0">
+              <a:solidFill>
+                <a:schemeClr val="accent1">
+                  <a:lumMod val="60000"/>
+                  <a:lumOff val="40000"/>
+                </a:schemeClr>
+              </a:solidFill>
+            </a:endParaRPr>
+          </a:p>
+          <a:p>
+            <a:endParaRPr lang="en-IN" dirty="0">
+              <a:solidFill>
+                <a:schemeClr val="bg1">
+                  <a:lumMod val="95000"/>
+                </a:schemeClr>
+              </a:solidFill>
+            </a:endParaRPr>
           </a:p>
         </p:txBody>
       </p:sp>
@@ -14199,7 +14356,7 @@
           <p:nvPr>
             <p:extLst>
               <p:ext uri="{D42A27DB-BD31-4B8C-83A1-F6EECF244321}">
-                <p14:modId xmlns:p14="http://schemas.microsoft.com/office/powerpoint/2010/main" val="1724737303"/>
+                <p14:modId xmlns:p14="http://schemas.microsoft.com/office/powerpoint/2010/main" val="3486033624"/>
               </p:ext>
             </p:extLst>
           </p:nvPr>
@@ -15484,7 +15641,7 @@
         <p:spPr>
           <a:xfrm>
             <a:off x="838200" y="1690688"/>
-            <a:ext cx="3906520" cy="4351338"/>
+            <a:ext cx="10002520" cy="4351338"/>
           </a:xfrm>
         </p:spPr>
         <p:txBody>
@@ -15493,6 +15650,30 @@
           </a:bodyPr>
           <a:lstStyle/>
           <a:p>
+            <a:pPr>
+              <a:lnSpc>
+                <a:spcPct val="100000"/>
+              </a:lnSpc>
+            </a:pPr>
+            <a:r>
+              <a:rPr lang="en-IN" b="1" dirty="0">
+                <a:solidFill>
+                  <a:schemeClr val="accent1">
+                    <a:lumMod val="60000"/>
+                    <a:lumOff val="40000"/>
+                  </a:schemeClr>
+                </a:solidFill>
+              </a:rPr>
+              <a:t>Filters</a:t>
+            </a:r>
+          </a:p>
+          <a:p>
+            <a:pPr marL="457200" lvl="1" indent="0">
+              <a:lnSpc>
+                <a:spcPct val="100000"/>
+              </a:lnSpc>
+              <a:buNone/>
+            </a:pPr>
             <a:r>
               <a:rPr lang="en-IN" dirty="0">
                 <a:solidFill>
@@ -15501,11 +15682,34 @@
                   </a:schemeClr>
                 </a:solidFill>
               </a:rPr>
-              <a:t>Filters</a:t>
+              <a:t>Where, TypeOf</a:t>
             </a:r>
           </a:p>
           <a:p>
-            <a:pPr lvl="1"/>
+            <a:pPr>
+              <a:lnSpc>
+                <a:spcPct val="100000"/>
+              </a:lnSpc>
+            </a:pPr>
+            <a:r>
+              <a:rPr lang="en-IN" b="1" dirty="0">
+                <a:solidFill>
+                  <a:schemeClr val="accent1">
+                    <a:lumMod val="60000"/>
+                    <a:lumOff val="40000"/>
+                  </a:schemeClr>
+                </a:solidFill>
+              </a:rPr>
+              <a:t>Projection operations</a:t>
+            </a:r>
+          </a:p>
+          <a:p>
+            <a:pPr marL="457200" lvl="1" indent="0">
+              <a:lnSpc>
+                <a:spcPct val="100000"/>
+              </a:lnSpc>
+              <a:buNone/>
+            </a:pPr>
             <a:r>
               <a:rPr lang="en-IN" dirty="0">
                 <a:solidFill>
@@ -15514,272 +15718,21 @@
                   </a:schemeClr>
                 </a:solidFill>
               </a:rPr>
-              <a:t>Where</a:t>
+              <a:t>Select, SelectMany, Zip</a:t>
             </a:r>
           </a:p>
           <a:p>
-            <a:pPr lvl="1"/>
+            <a:pPr>
+              <a:lnSpc>
+                <a:spcPct val="100000"/>
+              </a:lnSpc>
+            </a:pPr>
             <a:r>
-              <a:rPr lang="en-IN" dirty="0">
+              <a:rPr lang="en-IN" b="1" dirty="0">
                 <a:solidFill>
-                  <a:schemeClr val="bg1">
-                    <a:lumMod val="95000"/>
-                  </a:schemeClr>
-                </a:solidFill>
-              </a:rPr>
-              <a:t>TypeOf</a:t>
-            </a:r>
-          </a:p>
-          <a:p>
-            <a:r>
-              <a:rPr lang="en-IN" dirty="0">
-                <a:solidFill>
-                  <a:schemeClr val="bg1">
-                    <a:lumMod val="95000"/>
-                  </a:schemeClr>
-                </a:solidFill>
-              </a:rPr>
-              <a:t>Projection operations</a:t>
-            </a:r>
-          </a:p>
-          <a:p>
-            <a:pPr lvl="1"/>
-            <a:r>
-              <a:rPr lang="en-IN" dirty="0">
-                <a:solidFill>
-                  <a:schemeClr val="bg1">
-                    <a:lumMod val="95000"/>
-                  </a:schemeClr>
-                </a:solidFill>
-              </a:rPr>
-              <a:t>Select</a:t>
-            </a:r>
-          </a:p>
-          <a:p>
-            <a:pPr lvl="1"/>
-            <a:r>
-              <a:rPr lang="en-IN" dirty="0">
-                <a:solidFill>
-                  <a:schemeClr val="bg1">
-                    <a:lumMod val="95000"/>
-                  </a:schemeClr>
-                </a:solidFill>
-              </a:rPr>
-              <a:t>SelectMany</a:t>
-            </a:r>
-          </a:p>
-          <a:p>
-            <a:pPr lvl="1"/>
-            <a:r>
-              <a:rPr lang="en-IN" dirty="0">
-                <a:solidFill>
-                  <a:schemeClr val="bg1">
-                    <a:lumMod val="95000"/>
-                  </a:schemeClr>
-                </a:solidFill>
-              </a:rPr>
-              <a:t>Zip</a:t>
-            </a:r>
-          </a:p>
-        </p:txBody>
-      </p:sp>
-      <p:sp>
-        <p:nvSpPr>
-          <p:cNvPr id="4" name="Content Placeholder 2">
-            <a:extLst>
-              <a:ext uri="{FF2B5EF4-FFF2-40B4-BE49-F238E27FC236}">
-                <a16:creationId xmlns:a16="http://schemas.microsoft.com/office/drawing/2014/main" id="{5FE1FBCA-B28D-D22A-07BA-1815CA0F0897}"/>
-              </a:ext>
-            </a:extLst>
-          </p:cNvPr>
-          <p:cNvSpPr txBox="1">
-            <a:spLocks/>
-          </p:cNvSpPr>
-          <p:nvPr/>
-        </p:nvSpPr>
-        <p:spPr>
-          <a:xfrm>
-            <a:off x="4744720" y="1667193"/>
-            <a:ext cx="3906520" cy="4351338"/>
-          </a:xfrm>
-          <a:prstGeom prst="rect">
-            <a:avLst/>
-          </a:prstGeom>
-        </p:spPr>
-        <p:txBody>
-          <a:bodyPr vert="horz" lIns="91440" tIns="45720" rIns="91440" bIns="45720" rtlCol="0">
-            <a:normAutofit/>
-          </a:bodyPr>
-          <a:lstStyle>
-            <a:lvl1pPr marL="228600" indent="-228600" algn="l" defTabSz="914400" rtl="0" eaLnBrk="1" latinLnBrk="0" hangingPunct="1">
-              <a:lnSpc>
-                <a:spcPct val="90000"/>
-              </a:lnSpc>
-              <a:spcBef>
-                <a:spcPts val="1000"/>
-              </a:spcBef>
-              <a:buFont typeface="Arial" panose="020B0604020202020204" pitchFamily="34" charset="0"/>
-              <a:buChar char="•"/>
-              <a:defRPr sz="2800" kern="1200">
-                <a:solidFill>
-                  <a:schemeClr val="tx1"/>
-                </a:solidFill>
-                <a:latin typeface="+mn-lt"/>
-                <a:ea typeface="+mn-ea"/>
-                <a:cs typeface="+mn-cs"/>
-              </a:defRPr>
-            </a:lvl1pPr>
-            <a:lvl2pPr marL="685800" indent="-228600" algn="l" defTabSz="914400" rtl="0" eaLnBrk="1" latinLnBrk="0" hangingPunct="1">
-              <a:lnSpc>
-                <a:spcPct val="90000"/>
-              </a:lnSpc>
-              <a:spcBef>
-                <a:spcPts val="500"/>
-              </a:spcBef>
-              <a:buFont typeface="Arial" panose="020B0604020202020204" pitchFamily="34" charset="0"/>
-              <a:buChar char="•"/>
-              <a:defRPr sz="2400" kern="1200">
-                <a:solidFill>
-                  <a:schemeClr val="tx1"/>
-                </a:solidFill>
-                <a:latin typeface="+mn-lt"/>
-                <a:ea typeface="+mn-ea"/>
-                <a:cs typeface="+mn-cs"/>
-              </a:defRPr>
-            </a:lvl2pPr>
-            <a:lvl3pPr marL="1143000" indent="-228600" algn="l" defTabSz="914400" rtl="0" eaLnBrk="1" latinLnBrk="0" hangingPunct="1">
-              <a:lnSpc>
-                <a:spcPct val="90000"/>
-              </a:lnSpc>
-              <a:spcBef>
-                <a:spcPts val="500"/>
-              </a:spcBef>
-              <a:buFont typeface="Arial" panose="020B0604020202020204" pitchFamily="34" charset="0"/>
-              <a:buChar char="•"/>
-              <a:defRPr sz="2000" kern="1200">
-                <a:solidFill>
-                  <a:schemeClr val="tx1"/>
-                </a:solidFill>
-                <a:latin typeface="+mn-lt"/>
-                <a:ea typeface="+mn-ea"/>
-                <a:cs typeface="+mn-cs"/>
-              </a:defRPr>
-            </a:lvl3pPr>
-            <a:lvl4pPr marL="1600200" indent="-228600" algn="l" defTabSz="914400" rtl="0" eaLnBrk="1" latinLnBrk="0" hangingPunct="1">
-              <a:lnSpc>
-                <a:spcPct val="90000"/>
-              </a:lnSpc>
-              <a:spcBef>
-                <a:spcPts val="500"/>
-              </a:spcBef>
-              <a:buFont typeface="Arial" panose="020B0604020202020204" pitchFamily="34" charset="0"/>
-              <a:buChar char="•"/>
-              <a:defRPr sz="1800" kern="1200">
-                <a:solidFill>
-                  <a:schemeClr val="tx1"/>
-                </a:solidFill>
-                <a:latin typeface="+mn-lt"/>
-                <a:ea typeface="+mn-ea"/>
-                <a:cs typeface="+mn-cs"/>
-              </a:defRPr>
-            </a:lvl4pPr>
-            <a:lvl5pPr marL="2057400" indent="-228600" algn="l" defTabSz="914400" rtl="0" eaLnBrk="1" latinLnBrk="0" hangingPunct="1">
-              <a:lnSpc>
-                <a:spcPct val="90000"/>
-              </a:lnSpc>
-              <a:spcBef>
-                <a:spcPts val="500"/>
-              </a:spcBef>
-              <a:buFont typeface="Arial" panose="020B0604020202020204" pitchFamily="34" charset="0"/>
-              <a:buChar char="•"/>
-              <a:defRPr sz="1800" kern="1200">
-                <a:solidFill>
-                  <a:schemeClr val="tx1"/>
-                </a:solidFill>
-                <a:latin typeface="+mn-lt"/>
-                <a:ea typeface="+mn-ea"/>
-                <a:cs typeface="+mn-cs"/>
-              </a:defRPr>
-            </a:lvl5pPr>
-            <a:lvl6pPr marL="2514600" indent="-228600" algn="l" defTabSz="914400" rtl="0" eaLnBrk="1" latinLnBrk="0" hangingPunct="1">
-              <a:lnSpc>
-                <a:spcPct val="90000"/>
-              </a:lnSpc>
-              <a:spcBef>
-                <a:spcPts val="500"/>
-              </a:spcBef>
-              <a:buFont typeface="Arial" panose="020B0604020202020204" pitchFamily="34" charset="0"/>
-              <a:buChar char="•"/>
-              <a:defRPr sz="1800" kern="1200">
-                <a:solidFill>
-                  <a:schemeClr val="tx1"/>
-                </a:solidFill>
-                <a:latin typeface="+mn-lt"/>
-                <a:ea typeface="+mn-ea"/>
-                <a:cs typeface="+mn-cs"/>
-              </a:defRPr>
-            </a:lvl6pPr>
-            <a:lvl7pPr marL="2971800" indent="-228600" algn="l" defTabSz="914400" rtl="0" eaLnBrk="1" latinLnBrk="0" hangingPunct="1">
-              <a:lnSpc>
-                <a:spcPct val="90000"/>
-              </a:lnSpc>
-              <a:spcBef>
-                <a:spcPts val="500"/>
-              </a:spcBef>
-              <a:buFont typeface="Arial" panose="020B0604020202020204" pitchFamily="34" charset="0"/>
-              <a:buChar char="•"/>
-              <a:defRPr sz="1800" kern="1200">
-                <a:solidFill>
-                  <a:schemeClr val="tx1"/>
-                </a:solidFill>
-                <a:latin typeface="+mn-lt"/>
-                <a:ea typeface="+mn-ea"/>
-                <a:cs typeface="+mn-cs"/>
-              </a:defRPr>
-            </a:lvl7pPr>
-            <a:lvl8pPr marL="3429000" indent="-228600" algn="l" defTabSz="914400" rtl="0" eaLnBrk="1" latinLnBrk="0" hangingPunct="1">
-              <a:lnSpc>
-                <a:spcPct val="90000"/>
-              </a:lnSpc>
-              <a:spcBef>
-                <a:spcPts val="500"/>
-              </a:spcBef>
-              <a:buFont typeface="Arial" panose="020B0604020202020204" pitchFamily="34" charset="0"/>
-              <a:buChar char="•"/>
-              <a:defRPr sz="1800" kern="1200">
-                <a:solidFill>
-                  <a:schemeClr val="tx1"/>
-                </a:solidFill>
-                <a:latin typeface="+mn-lt"/>
-                <a:ea typeface="+mn-ea"/>
-                <a:cs typeface="+mn-cs"/>
-              </a:defRPr>
-            </a:lvl8pPr>
-            <a:lvl9pPr marL="3886200" indent="-228600" algn="l" defTabSz="914400" rtl="0" eaLnBrk="1" latinLnBrk="0" hangingPunct="1">
-              <a:lnSpc>
-                <a:spcPct val="90000"/>
-              </a:lnSpc>
-              <a:spcBef>
-                <a:spcPts val="500"/>
-              </a:spcBef>
-              <a:buFont typeface="Arial" panose="020B0604020202020204" pitchFamily="34" charset="0"/>
-              <a:buChar char="•"/>
-              <a:defRPr sz="1800" kern="1200">
-                <a:solidFill>
-                  <a:schemeClr val="tx1"/>
-                </a:solidFill>
-                <a:latin typeface="+mn-lt"/>
-                <a:ea typeface="+mn-ea"/>
-                <a:cs typeface="+mn-cs"/>
-              </a:defRPr>
-            </a:lvl9pPr>
-          </a:lstStyle>
-          <a:p>
-            <a:r>
-              <a:rPr lang="en-IN" dirty="0">
-                <a:solidFill>
-                  <a:schemeClr val="bg1">
-                    <a:lumMod val="95000"/>
+                  <a:schemeClr val="accent1">
+                    <a:lumMod val="60000"/>
+                    <a:lumOff val="40000"/>
                   </a:schemeClr>
                 </a:solidFill>
               </a:rPr>
@@ -15787,7 +15740,12 @@
             </a:r>
           </a:p>
           <a:p>
-            <a:pPr lvl="1"/>
+            <a:pPr marL="457200" lvl="1" indent="0">
+              <a:lnSpc>
+                <a:spcPct val="100000"/>
+              </a:lnSpc>
+              <a:buNone/>
+            </a:pPr>
             <a:r>
               <a:rPr lang="en-US" dirty="0">
                 <a:solidFill>
@@ -15796,11 +15754,34 @@
                   </a:schemeClr>
                 </a:solidFill>
               </a:rPr>
-              <a:t>Distinct</a:t>
+              <a:t>Distinct, DistinctBy, Except, ExceptBy, Intersect, IntersectBy, Union, UnionBy</a:t>
             </a:r>
           </a:p>
           <a:p>
-            <a:pPr lvl="1"/>
+            <a:pPr>
+              <a:lnSpc>
+                <a:spcPct val="100000"/>
+              </a:lnSpc>
+            </a:pPr>
+            <a:r>
+              <a:rPr lang="en-IN" b="1" dirty="0">
+                <a:solidFill>
+                  <a:schemeClr val="accent1">
+                    <a:lumMod val="60000"/>
+                    <a:lumOff val="40000"/>
+                  </a:schemeClr>
+                </a:solidFill>
+              </a:rPr>
+              <a:t>Sorting Data</a:t>
+            </a:r>
+          </a:p>
+          <a:p>
+            <a:pPr marL="457200" lvl="1" indent="0">
+              <a:lnSpc>
+                <a:spcPct val="100000"/>
+              </a:lnSpc>
+              <a:buNone/>
+            </a:pPr>
             <a:r>
               <a:rPr lang="en-US" dirty="0">
                 <a:solidFill>
@@ -15809,85 +15790,7 @@
                   </a:schemeClr>
                 </a:solidFill>
               </a:rPr>
-              <a:t>DistinctBy</a:t>
-            </a:r>
-          </a:p>
-          <a:p>
-            <a:pPr lvl="1"/>
-            <a:r>
-              <a:rPr lang="en-US" dirty="0">
-                <a:solidFill>
-                  <a:schemeClr val="bg1">
-                    <a:lumMod val="95000"/>
-                  </a:schemeClr>
-                </a:solidFill>
-              </a:rPr>
-              <a:t>Except</a:t>
-            </a:r>
-          </a:p>
-          <a:p>
-            <a:pPr lvl="1"/>
-            <a:r>
-              <a:rPr lang="en-US" dirty="0">
-                <a:solidFill>
-                  <a:schemeClr val="bg1">
-                    <a:lumMod val="95000"/>
-                  </a:schemeClr>
-                </a:solidFill>
-              </a:rPr>
-              <a:t>ExceptBy</a:t>
-            </a:r>
-          </a:p>
-          <a:p>
-            <a:pPr lvl="1"/>
-            <a:r>
-              <a:rPr lang="en-US" dirty="0">
-                <a:solidFill>
-                  <a:schemeClr val="bg1">
-                    <a:lumMod val="95000"/>
-                  </a:schemeClr>
-                </a:solidFill>
-              </a:rPr>
-              <a:t>Intersect</a:t>
-            </a:r>
-          </a:p>
-          <a:p>
-            <a:pPr lvl="1"/>
-            <a:r>
-              <a:rPr lang="en-US" dirty="0">
-                <a:solidFill>
-                  <a:schemeClr val="bg1">
-                    <a:lumMod val="95000"/>
-                  </a:schemeClr>
-                </a:solidFill>
-              </a:rPr>
-              <a:t>IntersectBy</a:t>
-            </a:r>
-          </a:p>
-          <a:p>
-            <a:pPr lvl="1"/>
-            <a:r>
-              <a:rPr lang="en-US" dirty="0">
-                <a:solidFill>
-                  <a:schemeClr val="bg1">
-                    <a:lumMod val="95000"/>
-                  </a:schemeClr>
-                </a:solidFill>
-              </a:rPr>
-              <a:t>Union</a:t>
-            </a:r>
-          </a:p>
-          <a:p>
-            <a:pPr lvl="1"/>
-            <a:r>
-              <a:rPr lang="en-US" dirty="0">
-                <a:solidFill>
-                  <a:schemeClr val="bg1">
-                    <a:lumMod val="95000"/>
-                  </a:schemeClr>
-                </a:solidFill>
-              </a:rPr>
-              <a:t>UnionBy</a:t>
+              <a:t>OrderBy, OrderByDescending, ThenBy, ThenByDescending, Reverse</a:t>
             </a:r>
             <a:endParaRPr lang="en-IN" dirty="0">
               <a:solidFill>
@@ -15896,18 +15799,6 @@
                 </a:schemeClr>
               </a:solidFill>
             </a:endParaRPr>
-          </a:p>
-          <a:p>
-            <a:r>
-              <a:rPr lang="en-IN" dirty="0">
-                <a:solidFill>
-                  <a:schemeClr val="bg1">
-                    <a:lumMod val="95000"/>
-                  </a:schemeClr>
-                </a:solidFill>
-              </a:rPr>
-              <a:t>Sorting Data</a:t>
-            </a:r>
           </a:p>
         </p:txBody>
       </p:sp>
@@ -15925,6 +15816,301 @@
 </file>
 
 <file path=ppt/slides/slide7.xml><?xml version="1.0" encoding="utf-8"?>
+<p:sld xmlns:a="http://schemas.openxmlformats.org/drawingml/2006/main" xmlns:r="http://schemas.openxmlformats.org/officeDocument/2006/relationships" xmlns:p="http://schemas.openxmlformats.org/presentationml/2006/main">
+  <p:cSld>
+    <p:spTree>
+      <p:nvGrpSpPr>
+        <p:cNvPr id="1" name="">
+          <a:extLst>
+            <a:ext uri="{FF2B5EF4-FFF2-40B4-BE49-F238E27FC236}">
+              <a16:creationId xmlns:a16="http://schemas.microsoft.com/office/drawing/2014/main" id="{BE6CC21A-1005-1D13-F6FF-5D07F1646866}"/>
+            </a:ext>
+          </a:extLst>
+        </p:cNvPr>
+        <p:cNvGrpSpPr/>
+        <p:nvPr/>
+      </p:nvGrpSpPr>
+      <p:grpSpPr>
+        <a:xfrm>
+          <a:off x="0" y="0"/>
+          <a:ext cx="0" cy="0"/>
+          <a:chOff x="0" y="0"/>
+          <a:chExt cx="0" cy="0"/>
+        </a:xfrm>
+      </p:grpSpPr>
+      <p:pic>
+        <p:nvPicPr>
+          <p:cNvPr id="5" name="Picture 4">
+            <a:extLst>
+              <a:ext uri="{FF2B5EF4-FFF2-40B4-BE49-F238E27FC236}">
+                <a16:creationId xmlns:a16="http://schemas.microsoft.com/office/drawing/2014/main" id="{121E033C-9680-A632-9752-486B76AE4138}"/>
+              </a:ext>
+            </a:extLst>
+          </p:cNvPr>
+          <p:cNvPicPr>
+            <a:picLocks noChangeAspect="1"/>
+          </p:cNvPicPr>
+          <p:nvPr/>
+        </p:nvPicPr>
+        <p:blipFill>
+          <a:blip r:embed="rId2">
+            <a:extLst>
+              <a:ext uri="{28A0092B-C50C-407E-A947-70E740481C1C}">
+                <a14:useLocalDpi xmlns:a14="http://schemas.microsoft.com/office/drawing/2010/main" val="0"/>
+              </a:ext>
+            </a:extLst>
+          </a:blip>
+          <a:stretch>
+            <a:fillRect/>
+          </a:stretch>
+        </p:blipFill>
+        <p:spPr>
+          <a:xfrm>
+            <a:off x="0" y="-1"/>
+            <a:ext cx="12192000" cy="6858001"/>
+          </a:xfrm>
+          <a:prstGeom prst="rect">
+            <a:avLst/>
+          </a:prstGeom>
+        </p:spPr>
+      </p:pic>
+      <p:sp>
+        <p:nvSpPr>
+          <p:cNvPr id="3" name="Content Placeholder 2">
+            <a:extLst>
+              <a:ext uri="{FF2B5EF4-FFF2-40B4-BE49-F238E27FC236}">
+                <a16:creationId xmlns:a16="http://schemas.microsoft.com/office/drawing/2014/main" id="{2EE571DA-4398-DCC2-C276-FFA01EDE6564}"/>
+              </a:ext>
+            </a:extLst>
+          </p:cNvPr>
+          <p:cNvSpPr>
+            <a:spLocks noGrp="1"/>
+          </p:cNvSpPr>
+          <p:nvPr>
+            <p:ph idx="1"/>
+          </p:nvPr>
+        </p:nvSpPr>
+        <p:spPr>
+          <a:xfrm>
+            <a:off x="838200" y="751840"/>
+            <a:ext cx="10927080" cy="5476240"/>
+          </a:xfrm>
+        </p:spPr>
+        <p:txBody>
+          <a:bodyPr>
+            <a:normAutofit/>
+          </a:bodyPr>
+          <a:lstStyle/>
+          <a:p>
+            <a:pPr>
+              <a:lnSpc>
+                <a:spcPct val="100000"/>
+              </a:lnSpc>
+            </a:pPr>
+            <a:r>
+              <a:rPr lang="en-IN" b="1" dirty="0">
+                <a:solidFill>
+                  <a:schemeClr val="accent1">
+                    <a:lumMod val="60000"/>
+                    <a:lumOff val="40000"/>
+                  </a:schemeClr>
+                </a:solidFill>
+              </a:rPr>
+              <a:t>Quantifier operations</a:t>
+            </a:r>
+          </a:p>
+          <a:p>
+            <a:pPr marL="457200" lvl="1" indent="0">
+              <a:lnSpc>
+                <a:spcPct val="100000"/>
+              </a:lnSpc>
+              <a:buNone/>
+            </a:pPr>
+            <a:r>
+              <a:rPr lang="en-IN" dirty="0">
+                <a:solidFill>
+                  <a:schemeClr val="bg1">
+                    <a:lumMod val="95000"/>
+                  </a:schemeClr>
+                </a:solidFill>
+              </a:rPr>
+              <a:t>All, Any, Contains </a:t>
+            </a:r>
+          </a:p>
+          <a:p>
+            <a:pPr>
+              <a:lnSpc>
+                <a:spcPct val="100000"/>
+              </a:lnSpc>
+            </a:pPr>
+            <a:r>
+              <a:rPr lang="en-IN" b="1" dirty="0">
+                <a:solidFill>
+                  <a:schemeClr val="accent1">
+                    <a:lumMod val="60000"/>
+                    <a:lumOff val="40000"/>
+                  </a:schemeClr>
+                </a:solidFill>
+              </a:rPr>
+              <a:t>Partitioning data</a:t>
+            </a:r>
+          </a:p>
+          <a:p>
+            <a:pPr marL="457200" lvl="1" indent="0">
+              <a:lnSpc>
+                <a:spcPct val="100000"/>
+              </a:lnSpc>
+              <a:buNone/>
+            </a:pPr>
+            <a:r>
+              <a:rPr lang="en-IN" dirty="0">
+                <a:solidFill>
+                  <a:schemeClr val="bg1">
+                    <a:lumMod val="95000"/>
+                  </a:schemeClr>
+                </a:solidFill>
+              </a:rPr>
+              <a:t>Skip, SkipWhile, Take, TakeWhile, Chunk</a:t>
+            </a:r>
+          </a:p>
+          <a:p>
+            <a:pPr>
+              <a:lnSpc>
+                <a:spcPct val="100000"/>
+              </a:lnSpc>
+            </a:pPr>
+            <a:r>
+              <a:rPr lang="en-IN" b="1" dirty="0">
+                <a:solidFill>
+                  <a:schemeClr val="accent1">
+                    <a:lumMod val="60000"/>
+                    <a:lumOff val="40000"/>
+                  </a:schemeClr>
+                </a:solidFill>
+              </a:rPr>
+              <a:t>Converting Data Types </a:t>
+            </a:r>
+          </a:p>
+          <a:p>
+            <a:pPr marL="457200" lvl="1" indent="0">
+              <a:lnSpc>
+                <a:spcPct val="100000"/>
+              </a:lnSpc>
+              <a:buNone/>
+            </a:pPr>
+            <a:r>
+              <a:rPr lang="en-IN" dirty="0">
+                <a:solidFill>
+                  <a:schemeClr val="bg1">
+                    <a:lumMod val="95000"/>
+                  </a:schemeClr>
+                </a:solidFill>
+              </a:rPr>
+              <a:t>AsEnumerable, AsQueryable, Cast, ToArray, ToDictionary, ToList, ToLookup</a:t>
+            </a:r>
+            <a:endParaRPr lang="en-IN" b="1" dirty="0">
+              <a:solidFill>
+                <a:schemeClr val="bg1">
+                  <a:lumMod val="95000"/>
+                </a:schemeClr>
+              </a:solidFill>
+            </a:endParaRPr>
+          </a:p>
+          <a:p>
+            <a:pPr>
+              <a:lnSpc>
+                <a:spcPct val="100000"/>
+              </a:lnSpc>
+            </a:pPr>
+            <a:r>
+              <a:rPr lang="en-IN" b="1" dirty="0">
+                <a:solidFill>
+                  <a:schemeClr val="accent1">
+                    <a:lumMod val="60000"/>
+                    <a:lumOff val="40000"/>
+                  </a:schemeClr>
+                </a:solidFill>
+              </a:rPr>
+              <a:t>Join operations</a:t>
+            </a:r>
+          </a:p>
+          <a:p>
+            <a:pPr marL="457200" lvl="1" indent="0">
+              <a:lnSpc>
+                <a:spcPct val="100000"/>
+              </a:lnSpc>
+              <a:buNone/>
+            </a:pPr>
+            <a:r>
+              <a:rPr lang="en-IN" dirty="0">
+                <a:solidFill>
+                  <a:schemeClr val="bg1">
+                    <a:lumMod val="95000"/>
+                  </a:schemeClr>
+                </a:solidFill>
+              </a:rPr>
+              <a:t>Join, GroupJoin, LeftJoin, RightJoin</a:t>
+            </a:r>
+            <a:endParaRPr lang="en-IN" b="1" dirty="0">
+              <a:solidFill>
+                <a:schemeClr val="bg1">
+                  <a:lumMod val="95000"/>
+                </a:schemeClr>
+              </a:solidFill>
+            </a:endParaRPr>
+          </a:p>
+          <a:p>
+            <a:pPr>
+              <a:lnSpc>
+                <a:spcPct val="100000"/>
+              </a:lnSpc>
+            </a:pPr>
+            <a:r>
+              <a:rPr lang="en-IN" b="1" dirty="0">
+                <a:solidFill>
+                  <a:schemeClr val="accent1">
+                    <a:lumMod val="60000"/>
+                    <a:lumOff val="40000"/>
+                  </a:schemeClr>
+                </a:solidFill>
+              </a:rPr>
+              <a:t>Grouping Data</a:t>
+            </a:r>
+          </a:p>
+          <a:p>
+            <a:pPr marL="457200" lvl="1" indent="0">
+              <a:lnSpc>
+                <a:spcPct val="100000"/>
+              </a:lnSpc>
+              <a:buNone/>
+            </a:pPr>
+            <a:r>
+              <a:rPr lang="en-IN" dirty="0">
+                <a:solidFill>
+                  <a:schemeClr val="bg1">
+                    <a:lumMod val="95000"/>
+                  </a:schemeClr>
+                </a:solidFill>
+              </a:rPr>
+              <a:t>GroupBy, ToLookup</a:t>
+            </a:r>
+          </a:p>
+        </p:txBody>
+      </p:sp>
+    </p:spTree>
+    <p:extLst>
+      <p:ext uri="{BB962C8B-B14F-4D97-AF65-F5344CB8AC3E}">
+        <p14:creationId xmlns:p14="http://schemas.microsoft.com/office/powerpoint/2010/main" val="1137965300"/>
+      </p:ext>
+    </p:extLst>
+  </p:cSld>
+  <p:clrMapOvr>
+    <a:masterClrMapping/>
+  </p:clrMapOvr>
+</p:sld>
+</file>
+
+<file path=ppt/slides/slide8.xml><?xml version="1.0" encoding="utf-8"?>
 <p:sld xmlns:a="http://schemas.openxmlformats.org/drawingml/2006/main" xmlns:r="http://schemas.openxmlformats.org/officeDocument/2006/relationships" xmlns:p="http://schemas.openxmlformats.org/presentationml/2006/main">
   <p:cSld>
     <p:spTree>
@@ -16046,7 +16232,7 @@
 </p:sld>
 </file>
 
-<file path=ppt/slides/slide8.xml><?xml version="1.0" encoding="utf-8"?>
+<file path=ppt/slides/slide9.xml><?xml version="1.0" encoding="utf-8"?>
 <p:sld xmlns:a="http://schemas.openxmlformats.org/drawingml/2006/main" xmlns:r="http://schemas.openxmlformats.org/officeDocument/2006/relationships" xmlns:p="http://schemas.openxmlformats.org/presentationml/2006/main">
   <p:cSld>
     <p:spTree>

--- a/Linq.pptx
+++ b/Linq.pptx
@@ -15892,8 +15892,8 @@
         </p:nvSpPr>
         <p:spPr>
           <a:xfrm>
-            <a:off x="838200" y="751840"/>
-            <a:ext cx="10927080" cy="5476240"/>
+            <a:off x="797560" y="1690688"/>
+            <a:ext cx="10927080" cy="4181792"/>
           </a:xfrm>
         </p:spPr>
         <p:txBody>
@@ -15970,51 +15970,8 @@
                   </a:schemeClr>
                 </a:solidFill>
               </a:rPr>
-              <a:t>Skip, SkipWhile, Take, TakeWhile, Chunk</a:t>
+              <a:t>Skip, Take, SkipWhile, TakeWhile, Chunk</a:t>
             </a:r>
-          </a:p>
-          <a:p>
-            <a:pPr>
-              <a:lnSpc>
-                <a:spcPct val="100000"/>
-              </a:lnSpc>
-            </a:pPr>
-            <a:r>
-              <a:rPr lang="en-IN" b="1" dirty="0">
-                <a:solidFill>
-                  <a:schemeClr val="accent1">
-                    <a:lumMod val="60000"/>
-                    <a:lumOff val="40000"/>
-                  </a:schemeClr>
-                </a:solidFill>
-              </a:rPr>
-              <a:t>Converting Data Types </a:t>
-            </a:r>
-          </a:p>
-          <a:p>
-            <a:pPr marL="457200" lvl="1" indent="0">
-              <a:lnSpc>
-                <a:spcPct val="100000"/>
-              </a:lnSpc>
-              <a:buNone/>
-            </a:pPr>
-            <a:r>
-              <a:rPr lang="en-IN" dirty="0">
-                <a:solidFill>
-                  <a:schemeClr val="bg1">
-                    <a:lumMod val="95000"/>
-                  </a:schemeClr>
-                </a:solidFill>
-              </a:rPr>
-              <a:t>AsEnumerable, AsQueryable, Cast, ToArray, ToDictionary, ToList, ToLookup</a:t>
-            </a:r>
-            <a:endParaRPr lang="en-IN" b="1" dirty="0">
-              <a:solidFill>
-                <a:schemeClr val="bg1">
-                  <a:lumMod val="95000"/>
-                </a:schemeClr>
-              </a:solidFill>
-            </a:endParaRPr>
           </a:p>
           <a:p>
             <a:pPr>
@@ -16093,6 +16050,46 @@
                 </a:solidFill>
               </a:rPr>
               <a:t>GroupBy, ToLookup</a:t>
+            </a:r>
+          </a:p>
+        </p:txBody>
+      </p:sp>
+      <p:sp>
+        <p:nvSpPr>
+          <p:cNvPr id="2" name="Title 1">
+            <a:extLst>
+              <a:ext uri="{FF2B5EF4-FFF2-40B4-BE49-F238E27FC236}">
+                <a16:creationId xmlns:a16="http://schemas.microsoft.com/office/drawing/2014/main" id="{F555BE12-D7E1-CAA0-05D2-7E1A186657C3}"/>
+              </a:ext>
+            </a:extLst>
+          </p:cNvPr>
+          <p:cNvSpPr>
+            <a:spLocks noGrp="1"/>
+          </p:cNvSpPr>
+          <p:nvPr>
+            <p:ph type="title"/>
+          </p:nvPr>
+        </p:nvSpPr>
+        <p:spPr>
+          <a:xfrm>
+            <a:off x="838200" y="365125"/>
+            <a:ext cx="10515600" cy="1325563"/>
+          </a:xfrm>
+        </p:spPr>
+        <p:txBody>
+          <a:bodyPr/>
+          <a:lstStyle/>
+          <a:p>
+            <a:r>
+              <a:rPr lang="en-IN" b="1" dirty="0">
+                <a:solidFill>
+                  <a:schemeClr val="accent2">
+                    <a:lumMod val="60000"/>
+                    <a:lumOff val="40000"/>
+                  </a:schemeClr>
+                </a:solidFill>
+              </a:rPr>
+              <a:t>Standard Query Operators</a:t>
             </a:r>
           </a:p>
         </p:txBody>

--- a/Linq.pptx
+++ b/Linq.pptx
@@ -16023,7 +16023,7 @@
               </a:lnSpc>
             </a:pPr>
             <a:r>
-              <a:rPr lang="en-IN" b="1" dirty="0">
+              <a:rPr lang="en-IN" b="1">
                 <a:solidFill>
                   <a:schemeClr val="accent1">
                     <a:lumMod val="60000"/>
@@ -16031,8 +16031,16 @@
                   </a:schemeClr>
                 </a:solidFill>
               </a:rPr>
-              <a:t>Grouping Data</a:t>
+              <a:t>Grouping</a:t>
             </a:r>
+            <a:endParaRPr lang="en-IN" b="1" dirty="0">
+              <a:solidFill>
+                <a:schemeClr val="accent1">
+                  <a:lumMod val="60000"/>
+                  <a:lumOff val="40000"/>
+                </a:schemeClr>
+              </a:solidFill>
+            </a:endParaRPr>
           </a:p>
           <a:p>
             <a:pPr marL="457200" lvl="1" indent="0">

--- a/Linq.pptx
+++ b/Linq.pptx
@@ -15700,7 +15700,7 @@
                   </a:schemeClr>
                 </a:solidFill>
               </a:rPr>
-              <a:t>Projection operations</a:t>
+              <a:t>Projection Operations</a:t>
             </a:r>
           </a:p>
           <a:p>
@@ -15772,7 +15772,7 @@
                   </a:schemeClr>
                 </a:solidFill>
               </a:rPr>
-              <a:t>Sorting Data</a:t>
+              <a:t>Sorting</a:t>
             </a:r>
           </a:p>
           <a:p>
@@ -15916,7 +15916,7 @@
                   </a:schemeClr>
                 </a:solidFill>
               </a:rPr>
-              <a:t>Quantifier operations</a:t>
+              <a:t>Quantifier Operations</a:t>
             </a:r>
           </a:p>
           <a:p>
@@ -15952,7 +15952,7 @@
                   </a:schemeClr>
                 </a:solidFill>
               </a:rPr>
-              <a:t>Partitioning data</a:t>
+              <a:t>Partitioning</a:t>
             </a:r>
           </a:p>
           <a:p>
@@ -15980,7 +15980,7 @@
               </a:lnSpc>
             </a:pPr>
             <a:r>
-              <a:rPr lang="en-IN" b="1" dirty="0">
+              <a:rPr lang="en-IN" b="1">
                 <a:solidFill>
                   <a:schemeClr val="accent1">
                     <a:lumMod val="60000"/>
@@ -15988,8 +15988,16 @@
                   </a:schemeClr>
                 </a:solidFill>
               </a:rPr>
-              <a:t>Join operations</a:t>
+              <a:t>Join Operations</a:t>
             </a:r>
+            <a:endParaRPr lang="en-IN" b="1" dirty="0">
+              <a:solidFill>
+                <a:schemeClr val="accent1">
+                  <a:lumMod val="60000"/>
+                  <a:lumOff val="40000"/>
+                </a:schemeClr>
+              </a:solidFill>
+            </a:endParaRPr>
           </a:p>
           <a:p>
             <a:pPr marL="457200" lvl="1" indent="0">
@@ -16023,7 +16031,7 @@
               </a:lnSpc>
             </a:pPr>
             <a:r>
-              <a:rPr lang="en-IN" b="1">
+              <a:rPr lang="en-IN" b="1" dirty="0">
                 <a:solidFill>
                   <a:schemeClr val="accent1">
                     <a:lumMod val="60000"/>
@@ -16033,14 +16041,6 @@
               </a:rPr>
               <a:t>Grouping</a:t>
             </a:r>
-            <a:endParaRPr lang="en-IN" b="1" dirty="0">
-              <a:solidFill>
-                <a:schemeClr val="accent1">
-                  <a:lumMod val="60000"/>
-                  <a:lumOff val="40000"/>
-                </a:schemeClr>
-              </a:solidFill>
-            </a:endParaRPr>
           </a:p>
           <a:p>
             <a:pPr marL="457200" lvl="1" indent="0">

--- a/Linq.pptx
+++ b/Linq.pptx
@@ -13970,7 +13970,7 @@
                   </a:schemeClr>
                 </a:solidFill>
               </a:rPr>
-              <a:t>Projection operations</a:t>
+              <a:t>Projection Operations</a:t>
             </a:r>
           </a:p>
           <a:p>
@@ -14006,7 +14006,7 @@
                   </a:schemeClr>
                 </a:solidFill>
               </a:rPr>
-              <a:t>Sorting Data</a:t>
+              <a:t>Sorting</a:t>
             </a:r>
           </a:p>
           <a:p>
@@ -14024,7 +14024,7 @@
                   </a:schemeClr>
                 </a:solidFill>
               </a:rPr>
-              <a:t>Quantifier operations</a:t>
+              <a:t>Quantifier Operations</a:t>
             </a:r>
           </a:p>
           <a:p>
@@ -14042,7 +14042,7 @@
                   </a:schemeClr>
                 </a:solidFill>
               </a:rPr>
-              <a:t>Partitioning data</a:t>
+              <a:t>Partitioning</a:t>
             </a:r>
           </a:p>
           <a:p>
@@ -14060,7 +14060,7 @@
                   </a:schemeClr>
                 </a:solidFill>
               </a:rPr>
-              <a:t>Converting Data Types </a:t>
+              <a:t>Join Operations</a:t>
             </a:r>
           </a:p>
           <a:p>
@@ -14070,7 +14070,7 @@
               </a:lnSpc>
             </a:pPr>
             <a:r>
-              <a:rPr lang="en-IN" dirty="0">
+              <a:rPr lang="en-IN">
                 <a:solidFill>
                   <a:schemeClr val="accent5">
                     <a:lumMod val="40000"/>
@@ -14078,26 +14078,16 @@
                   </a:schemeClr>
                 </a:solidFill>
               </a:rPr>
-              <a:t>Join operations</a:t>
+              <a:t>Grouping</a:t>
             </a:r>
-          </a:p>
-          <a:p>
-            <a:pPr lvl="1">
-              <a:lnSpc>
-                <a:spcPct val="100000"/>
-              </a:lnSpc>
-            </a:pPr>
-            <a:r>
-              <a:rPr lang="en-IN" dirty="0">
-                <a:solidFill>
-                  <a:schemeClr val="accent5">
-                    <a:lumMod val="40000"/>
-                    <a:lumOff val="60000"/>
-                  </a:schemeClr>
-                </a:solidFill>
-              </a:rPr>
-              <a:t>Grouping Data</a:t>
-            </a:r>
+            <a:endParaRPr lang="en-IN" dirty="0">
+              <a:solidFill>
+                <a:schemeClr val="accent5">
+                  <a:lumMod val="40000"/>
+                  <a:lumOff val="60000"/>
+                </a:schemeClr>
+              </a:solidFill>
+            </a:endParaRPr>
           </a:p>
           <a:p>
             <a:endParaRPr lang="en-IN" b="1" dirty="0">
@@ -15980,7 +15970,7 @@
               </a:lnSpc>
             </a:pPr>
             <a:r>
-              <a:rPr lang="en-IN" b="1">
+              <a:rPr lang="en-IN" b="1" dirty="0">
                 <a:solidFill>
                   <a:schemeClr val="accent1">
                     <a:lumMod val="60000"/>
@@ -15990,14 +15980,6 @@
               </a:rPr>
               <a:t>Join Operations</a:t>
             </a:r>
-            <a:endParaRPr lang="en-IN" b="1" dirty="0">
-              <a:solidFill>
-                <a:schemeClr val="accent1">
-                  <a:lumMod val="60000"/>
-                  <a:lumOff val="40000"/>
-                </a:schemeClr>
-              </a:solidFill>
-            </a:endParaRPr>
           </a:p>
           <a:p>
             <a:pPr marL="457200" lvl="1" indent="0">

--- a/Linq.pptx
+++ b/Linq.pptx
@@ -14070,7 +14070,7 @@
               </a:lnSpc>
             </a:pPr>
             <a:r>
-              <a:rPr lang="en-IN">
+              <a:rPr lang="en-IN" dirty="0">
                 <a:solidFill>
                   <a:schemeClr val="accent5">
                     <a:lumMod val="40000"/>
@@ -14080,14 +14080,6 @@
               </a:rPr>
               <a:t>Grouping</a:t>
             </a:r>
-            <a:endParaRPr lang="en-IN" dirty="0">
-              <a:solidFill>
-                <a:schemeClr val="accent5">
-                  <a:lumMod val="40000"/>
-                  <a:lumOff val="60000"/>
-                </a:schemeClr>
-              </a:solidFill>
-            </a:endParaRPr>
           </a:p>
           <a:p>
             <a:endParaRPr lang="en-IN" b="1" dirty="0">
@@ -15989,6 +15981,16 @@
               <a:buNone/>
             </a:pPr>
             <a:r>
+              <a:rPr lang="en-IN">
+                <a:solidFill>
+                  <a:schemeClr val="bg1">
+                    <a:lumMod val="95000"/>
+                  </a:schemeClr>
+                </a:solidFill>
+              </a:rPr>
+              <a:t>Join, </a:t>
+            </a:r>
+            <a:r>
               <a:rPr lang="en-IN" dirty="0">
                 <a:solidFill>
                   <a:schemeClr val="bg1">
@@ -15996,7 +15998,17 @@
                   </a:schemeClr>
                 </a:solidFill>
               </a:rPr>
-              <a:t>Join, GroupJoin, LeftJoin, RightJoin</a:t>
+              <a:t>LeftJoin</a:t>
+            </a:r>
+            <a:r>
+              <a:rPr lang="en-IN">
+                <a:solidFill>
+                  <a:schemeClr val="bg1">
+                    <a:lumMod val="95000"/>
+                  </a:schemeClr>
+                </a:solidFill>
+              </a:rPr>
+              <a:t>, RightJoin, GroupJoin</a:t>
             </a:r>
             <a:endParaRPr lang="en-IN" b="1" dirty="0">
               <a:solidFill>

--- a/Linq.pptx
+++ b/Linq.pptx
@@ -15981,16 +15981,6 @@
               <a:buNone/>
             </a:pPr>
             <a:r>
-              <a:rPr lang="en-IN">
-                <a:solidFill>
-                  <a:schemeClr val="bg1">
-                    <a:lumMod val="95000"/>
-                  </a:schemeClr>
-                </a:solidFill>
-              </a:rPr>
-              <a:t>Join, </a:t>
-            </a:r>
-            <a:r>
               <a:rPr lang="en-IN" dirty="0">
                 <a:solidFill>
                   <a:schemeClr val="bg1">
@@ -15998,17 +15988,7 @@
                   </a:schemeClr>
                 </a:solidFill>
               </a:rPr>
-              <a:t>LeftJoin</a:t>
-            </a:r>
-            <a:r>
-              <a:rPr lang="en-IN">
-                <a:solidFill>
-                  <a:schemeClr val="bg1">
-                    <a:lumMod val="95000"/>
-                  </a:schemeClr>
-                </a:solidFill>
-              </a:rPr>
-              <a:t>, RightJoin, GroupJoin</a:t>
+              <a:t>Join, LeftJoin, RightJoin, GroupJoin</a:t>
             </a:r>
             <a:endParaRPr lang="en-IN" b="1" dirty="0">
               <a:solidFill>

--- a/Linq.pptx
+++ b/Linq.pptx
@@ -9848,7 +9848,7 @@
           <a:p>
             <a:fld id="{796FDD7A-9F38-4CDF-B347-1A5209BFD58B}" type="datetimeFigureOut">
               <a:rPr lang="en-IN" smtClean="0"/>
-              <a:t>22-02-2026</a:t>
+              <a:t>23-02-2026</a:t>
             </a:fld>
             <a:endParaRPr lang="en-IN"/>
           </a:p>
@@ -10356,7 +10356,7 @@
           <a:p>
             <a:fld id="{C1938870-312B-410B-A6B0-3A5B6A2B0AD3}" type="datetimeFigureOut">
               <a:rPr lang="en-IN" smtClean="0"/>
-              <a:t>22-02-2026</a:t>
+              <a:t>23-02-2026</a:t>
             </a:fld>
             <a:endParaRPr lang="en-IN"/>
           </a:p>
@@ -10556,7 +10556,7 @@
           <a:p>
             <a:fld id="{C1938870-312B-410B-A6B0-3A5B6A2B0AD3}" type="datetimeFigureOut">
               <a:rPr lang="en-IN" smtClean="0"/>
-              <a:t>22-02-2026</a:t>
+              <a:t>23-02-2026</a:t>
             </a:fld>
             <a:endParaRPr lang="en-IN"/>
           </a:p>
@@ -10766,7 +10766,7 @@
           <a:p>
             <a:fld id="{C1938870-312B-410B-A6B0-3A5B6A2B0AD3}" type="datetimeFigureOut">
               <a:rPr lang="en-IN" smtClean="0"/>
-              <a:t>22-02-2026</a:t>
+              <a:t>23-02-2026</a:t>
             </a:fld>
             <a:endParaRPr lang="en-IN"/>
           </a:p>
@@ -10966,7 +10966,7 @@
           <a:p>
             <a:fld id="{C1938870-312B-410B-A6B0-3A5B6A2B0AD3}" type="datetimeFigureOut">
               <a:rPr lang="en-IN" smtClean="0"/>
-              <a:t>22-02-2026</a:t>
+              <a:t>23-02-2026</a:t>
             </a:fld>
             <a:endParaRPr lang="en-IN"/>
           </a:p>
@@ -11242,7 +11242,7 @@
           <a:p>
             <a:fld id="{C1938870-312B-410B-A6B0-3A5B6A2B0AD3}" type="datetimeFigureOut">
               <a:rPr lang="en-IN" smtClean="0"/>
-              <a:t>22-02-2026</a:t>
+              <a:t>23-02-2026</a:t>
             </a:fld>
             <a:endParaRPr lang="en-IN"/>
           </a:p>
@@ -11510,7 +11510,7 @@
           <a:p>
             <a:fld id="{C1938870-312B-410B-A6B0-3A5B6A2B0AD3}" type="datetimeFigureOut">
               <a:rPr lang="en-IN" smtClean="0"/>
-              <a:t>22-02-2026</a:t>
+              <a:t>23-02-2026</a:t>
             </a:fld>
             <a:endParaRPr lang="en-IN"/>
           </a:p>
@@ -11925,7 +11925,7 @@
           <a:p>
             <a:fld id="{C1938870-312B-410B-A6B0-3A5B6A2B0AD3}" type="datetimeFigureOut">
               <a:rPr lang="en-IN" smtClean="0"/>
-              <a:t>22-02-2026</a:t>
+              <a:t>23-02-2026</a:t>
             </a:fld>
             <a:endParaRPr lang="en-IN"/>
           </a:p>
@@ -12067,7 +12067,7 @@
           <a:p>
             <a:fld id="{C1938870-312B-410B-A6B0-3A5B6A2B0AD3}" type="datetimeFigureOut">
               <a:rPr lang="en-IN" smtClean="0"/>
-              <a:t>22-02-2026</a:t>
+              <a:t>23-02-2026</a:t>
             </a:fld>
             <a:endParaRPr lang="en-IN"/>
           </a:p>
@@ -12180,7 +12180,7 @@
           <a:p>
             <a:fld id="{C1938870-312B-410B-A6B0-3A5B6A2B0AD3}" type="datetimeFigureOut">
               <a:rPr lang="en-IN" smtClean="0"/>
-              <a:t>22-02-2026</a:t>
+              <a:t>23-02-2026</a:t>
             </a:fld>
             <a:endParaRPr lang="en-IN"/>
           </a:p>
@@ -12493,7 +12493,7 @@
           <a:p>
             <a:fld id="{C1938870-312B-410B-A6B0-3A5B6A2B0AD3}" type="datetimeFigureOut">
               <a:rPr lang="en-IN" smtClean="0"/>
-              <a:t>22-02-2026</a:t>
+              <a:t>23-02-2026</a:t>
             </a:fld>
             <a:endParaRPr lang="en-IN"/>
           </a:p>
@@ -12782,7 +12782,7 @@
           <a:p>
             <a:fld id="{C1938870-312B-410B-A6B0-3A5B6A2B0AD3}" type="datetimeFigureOut">
               <a:rPr lang="en-IN" smtClean="0"/>
-              <a:t>22-02-2026</a:t>
+              <a:t>23-02-2026</a:t>
             </a:fld>
             <a:endParaRPr lang="en-IN"/>
           </a:p>
@@ -13025,7 +13025,7 @@
           <a:p>
             <a:fld id="{C1938870-312B-410B-A6B0-3A5B6A2B0AD3}" type="datetimeFigureOut">
               <a:rPr lang="en-IN" smtClean="0"/>
-              <a:t>22-02-2026</a:t>
+              <a:t>23-02-2026</a:t>
             </a:fld>
             <a:endParaRPr lang="en-IN"/>
           </a:p>
@@ -15585,7 +15585,12 @@
             <p:ph type="title"/>
           </p:nvPr>
         </p:nvSpPr>
-        <p:spPr/>
+        <p:spPr>
+          <a:xfrm>
+            <a:off x="838200" y="365125"/>
+            <a:ext cx="10515600" cy="742315"/>
+          </a:xfrm>
+        </p:spPr>
         <p:txBody>
           <a:bodyPr/>
           <a:lstStyle/>
@@ -15622,8 +15627,8 @@
         </p:nvSpPr>
         <p:spPr>
           <a:xfrm>
-            <a:off x="838200" y="1690688"/>
-            <a:ext cx="10002520" cy="4351338"/>
+            <a:off x="838200" y="1188721"/>
+            <a:ext cx="10002520" cy="5304154"/>
           </a:xfrm>
         </p:spPr>
         <p:txBody>
@@ -15773,6 +15778,50 @@
                 </a:solidFill>
               </a:rPr>
               <a:t>OrderBy, OrderByDescending, ThenBy, ThenByDescending, Reverse</a:t>
+            </a:r>
+          </a:p>
+          <a:p>
+            <a:pPr>
+              <a:lnSpc>
+                <a:spcPct val="100000"/>
+              </a:lnSpc>
+            </a:pPr>
+            <a:r>
+              <a:rPr lang="en-IN" b="1" dirty="0">
+                <a:solidFill>
+                  <a:schemeClr val="accent1">
+                    <a:lumMod val="60000"/>
+                    <a:lumOff val="40000"/>
+                  </a:schemeClr>
+                </a:solidFill>
+              </a:rPr>
+              <a:t>Element Operations</a:t>
+            </a:r>
+            <a:endParaRPr lang="en-US" b="1" dirty="0">
+              <a:solidFill>
+                <a:schemeClr val="accent1">
+                  <a:lumMod val="60000"/>
+                  <a:lumOff val="40000"/>
+                </a:schemeClr>
+              </a:solidFill>
+            </a:endParaRPr>
+          </a:p>
+          <a:p>
+            <a:pPr marL="457200" lvl="1" indent="0">
+              <a:lnSpc>
+                <a:spcPct val="100000"/>
+              </a:lnSpc>
+              <a:buNone/>
+            </a:pPr>
+            <a:r>
+              <a:rPr lang="en-US" dirty="0">
+                <a:solidFill>
+                  <a:schemeClr val="bg1">
+                    <a:lumMod val="95000"/>
+                  </a:schemeClr>
+                </a:solidFill>
+              </a:rPr>
+              <a:t>First, FirstOrDefault, Last, LastOrDefault, Single, SingleOrDefault</a:t>
             </a:r>
             <a:endParaRPr lang="en-IN" dirty="0">
               <a:solidFill>

--- a/Linq.pptx
+++ b/Linq.pptx
@@ -15923,15 +15923,58 @@
         </p:nvSpPr>
         <p:spPr>
           <a:xfrm>
-            <a:off x="797560" y="1690688"/>
-            <a:ext cx="10927080" cy="4181792"/>
+            <a:off x="797560" y="1381760"/>
+            <a:ext cx="10927080" cy="4795520"/>
           </a:xfrm>
         </p:spPr>
         <p:txBody>
           <a:bodyPr>
-            <a:normAutofit/>
+            <a:normAutofit lnSpcReduction="10000"/>
           </a:bodyPr>
           <a:lstStyle/>
+          <a:p>
+            <a:pPr>
+              <a:lnSpc>
+                <a:spcPct val="100000"/>
+              </a:lnSpc>
+            </a:pPr>
+            <a:r>
+              <a:rPr lang="en-IN" b="1" dirty="0">
+                <a:solidFill>
+                  <a:schemeClr val="accent1">
+                    <a:lumMod val="60000"/>
+                    <a:lumOff val="40000"/>
+                  </a:schemeClr>
+                </a:solidFill>
+              </a:rPr>
+              <a:t>Aggregate Operations</a:t>
+            </a:r>
+          </a:p>
+          <a:p>
+            <a:pPr marL="457200" lvl="1" indent="0">
+              <a:lnSpc>
+                <a:spcPct val="100000"/>
+              </a:lnSpc>
+              <a:buNone/>
+            </a:pPr>
+            <a:r>
+              <a:rPr lang="en-US" dirty="0">
+                <a:solidFill>
+                  <a:schemeClr val="bg1">
+                    <a:lumMod val="95000"/>
+                  </a:schemeClr>
+                </a:solidFill>
+              </a:rPr>
+              <a:t>Min, Max, Count, Sum, Average, Sequence</a:t>
+            </a:r>
+            <a:endParaRPr lang="en-IN" b="1" dirty="0">
+              <a:solidFill>
+                <a:schemeClr val="bg1">
+                  <a:lumMod val="95000"/>
+                </a:schemeClr>
+              </a:solidFill>
+            </a:endParaRPr>
+          </a:p>
           <a:p>
             <a:pPr>
               <a:lnSpc>
@@ -16104,7 +16147,7 @@
         <p:spPr>
           <a:xfrm>
             <a:off x="838200" y="365125"/>
-            <a:ext cx="10515600" cy="1325563"/>
+            <a:ext cx="10515600" cy="1016635"/>
           </a:xfrm>
         </p:spPr>
         <p:txBody>
